--- a/COMPUTER AND NETWORK SECURITY (CN6003)/Protocol_Analyzers_Presentation.pptx
+++ b/COMPUTER AND NETWORK SECURITY (CN6003)/Protocol_Analyzers_Presentation.pptx
@@ -5,7 +5,7 @@
     <p:sldMasterId id="2147483648" r:id="rId1"/>
   </p:sldMasterIdLst>
   <p:notesMasterIdLst>
-    <p:notesMasterId r:id="rId23"/>
+    <p:notesMasterId r:id="rId24"/>
   </p:notesMasterIdLst>
   <p:sldIdLst>
     <p:sldId id="256" r:id="rId2"/>
@@ -28,7 +28,8 @@
     <p:sldId id="307" r:id="rId19"/>
     <p:sldId id="308" r:id="rId20"/>
     <p:sldId id="309" r:id="rId21"/>
-    <p:sldId id="294" r:id="rId22"/>
+    <p:sldId id="310" r:id="rId22"/>
+    <p:sldId id="294" r:id="rId23"/>
   </p:sldIdLst>
   <p:sldSz cx="9144000" cy="6858000" type="screen4x3"/>
   <p:notesSz cx="6858000" cy="9144000"/>
@@ -12832,6 +12833,421 @@
 </file>
 
 <file path=ppt/slides/slide21.xml><?xml version="1.0" encoding="utf-8"?>
+<p:sld xmlns:a="http://schemas.openxmlformats.org/drawingml/2006/main" xmlns:r="http://schemas.openxmlformats.org/officeDocument/2006/relationships" xmlns:p="http://schemas.openxmlformats.org/presentationml/2006/main" showMasterPhAnim="0">
+  <p:cSld>
+    <p:spTree>
+      <p:nvGrpSpPr>
+        <p:cNvPr id="1" name=""/>
+        <p:cNvGrpSpPr/>
+        <p:nvPr/>
+      </p:nvGrpSpPr>
+      <p:grpSpPr>
+        <a:xfrm>
+          <a:off x="0" y="0"/>
+          <a:ext cx="0" cy="0"/>
+          <a:chOff x="0" y="0"/>
+          <a:chExt cx="0" cy="0"/>
+        </a:xfrm>
+      </p:grpSpPr>
+      <p:sp>
+        <p:nvSpPr>
+          <p:cNvPr id="106518" name="Rectangle 22">
+            <a:extLst>
+              <a:ext uri="{FF2B5EF4-FFF2-40B4-BE49-F238E27FC236}">
+                <a16:creationId xmlns:a16="http://schemas.microsoft.com/office/drawing/2014/main" id="{F5A29FC8-8C4B-45E5-94D1-7D28B3C04B66}"/>
+              </a:ext>
+            </a:extLst>
+          </p:cNvPr>
+          <p:cNvSpPr>
+            <a:spLocks noGrp="1" noChangeArrowheads="1"/>
+          </p:cNvSpPr>
+          <p:nvPr>
+            <p:ph type="title"/>
+          </p:nvPr>
+        </p:nvSpPr>
+        <p:spPr/>
+        <p:txBody>
+          <a:bodyPr/>
+          <a:lstStyle/>
+          <a:p>
+            <a:r>
+              <a:rPr lang="en-US" altLang="en-US" dirty="0"/>
+              <a:t>Conclusion</a:t>
+            </a:r>
+          </a:p>
+        </p:txBody>
+      </p:sp>
+      <p:sp>
+        <p:nvSpPr>
+          <p:cNvPr id="8" name="TextBox 7">
+            <a:extLst>
+              <a:ext uri="{FF2B5EF4-FFF2-40B4-BE49-F238E27FC236}">
+                <a16:creationId xmlns:a16="http://schemas.microsoft.com/office/drawing/2014/main" id="{3FB17DB1-FD0F-4B69-8CE0-1DFE45493CE0}"/>
+              </a:ext>
+            </a:extLst>
+          </p:cNvPr>
+          <p:cNvSpPr txBox="1"/>
+          <p:nvPr/>
+        </p:nvSpPr>
+        <p:spPr>
+          <a:xfrm>
+            <a:off x="1143001" y="2209800"/>
+            <a:ext cx="7445374" cy="4263090"/>
+          </a:xfrm>
+          <a:prstGeom prst="rect">
+            <a:avLst/>
+          </a:prstGeom>
+          <a:noFill/>
+        </p:spPr>
+        <p:txBody>
+          <a:bodyPr wrap="square">
+            <a:spAutoFit/>
+          </a:bodyPr>
+          <a:lstStyle/>
+          <a:p>
+            <a:pPr marL="342900" marR="0" lvl="0" indent="-342900">
+              <a:lnSpc>
+                <a:spcPct val="107000"/>
+              </a:lnSpc>
+              <a:spcBef>
+                <a:spcPts val="0"/>
+              </a:spcBef>
+              <a:spcAft>
+                <a:spcPts val="0"/>
+              </a:spcAft>
+              <a:buFont typeface="Symbol" panose="05050102010706020507" pitchFamily="18" charset="2"/>
+              <a:buChar char=""/>
+            </a:pPr>
+            <a:r>
+              <a:rPr lang="en-US" sz="1800" dirty="0">
+                <a:effectLst/>
+                <a:latin typeface="Calibri" panose="020F0502020204030204" pitchFamily="34" charset="0"/>
+                <a:ea typeface="Calibri" panose="020F0502020204030204" pitchFamily="34" charset="0"/>
+                <a:cs typeface="Times New Roman" panose="02020603050405020304" pitchFamily="18" charset="0"/>
+              </a:rPr>
+              <a:t>To understand a problem first we understand the application tier error then the network.</a:t>
+            </a:r>
+          </a:p>
+          <a:p>
+            <a:pPr marL="342900" marR="0" lvl="0" indent="-342900">
+              <a:lnSpc>
+                <a:spcPct val="107000"/>
+              </a:lnSpc>
+              <a:spcBef>
+                <a:spcPts val="0"/>
+              </a:spcBef>
+              <a:spcAft>
+                <a:spcPts val="0"/>
+              </a:spcAft>
+              <a:buFont typeface="Symbol" panose="05050102010706020507" pitchFamily="18" charset="2"/>
+              <a:buChar char=""/>
+            </a:pPr>
+            <a:r>
+              <a:rPr lang="en-US" sz="1800" dirty="0">
+                <a:effectLst/>
+                <a:latin typeface="Calibri" panose="020F0502020204030204" pitchFamily="34" charset="0"/>
+                <a:ea typeface="Calibri" panose="020F0502020204030204" pitchFamily="34" charset="0"/>
+                <a:cs typeface="Times New Roman" panose="02020603050405020304" pitchFamily="18" charset="0"/>
+              </a:rPr>
+              <a:t>Doesn’t matter how big the network is, cut it up into chunks until you close in on the issue, it is like a shortest-route path algorithm logic, actually, this is exactly how an algorithm will work its way through the solution e.g., make </a:t>
+            </a:r>
+            <a:r>
+              <a:rPr lang="en-US" sz="1800" dirty="0" err="1">
+                <a:effectLst/>
+                <a:latin typeface="Calibri" panose="020F0502020204030204" pitchFamily="34" charset="0"/>
+                <a:ea typeface="Calibri" panose="020F0502020204030204" pitchFamily="34" charset="0"/>
+                <a:cs typeface="Times New Roman" panose="02020603050405020304" pitchFamily="18" charset="0"/>
+              </a:rPr>
+              <a:t>neighbours</a:t>
+            </a:r>
+            <a:r>
+              <a:rPr lang="en-US" sz="1800" dirty="0">
+                <a:effectLst/>
+                <a:latin typeface="Calibri" panose="020F0502020204030204" pitchFamily="34" charset="0"/>
+                <a:ea typeface="Calibri" panose="020F0502020204030204" pitchFamily="34" charset="0"/>
+                <a:cs typeface="Times New Roman" panose="02020603050405020304" pitchFamily="18" charset="0"/>
+              </a:rPr>
+              <a:t>, many times the same way we use to solves agnostic problems.</a:t>
+            </a:r>
+          </a:p>
+          <a:p>
+            <a:pPr marL="342900" marR="0" lvl="0" indent="-342900">
+              <a:lnSpc>
+                <a:spcPct val="107000"/>
+              </a:lnSpc>
+              <a:spcBef>
+                <a:spcPts val="0"/>
+              </a:spcBef>
+              <a:spcAft>
+                <a:spcPts val="0"/>
+              </a:spcAft>
+              <a:buFont typeface="Symbol" panose="05050102010706020507" pitchFamily="18" charset="2"/>
+              <a:buChar char=""/>
+            </a:pPr>
+            <a:r>
+              <a:rPr lang="en-US" sz="1800" dirty="0">
+                <a:effectLst/>
+                <a:latin typeface="Calibri" panose="020F0502020204030204" pitchFamily="34" charset="0"/>
+                <a:ea typeface="Calibri" panose="020F0502020204030204" pitchFamily="34" charset="0"/>
+                <a:cs typeface="Times New Roman" panose="02020603050405020304" pitchFamily="18" charset="0"/>
+              </a:rPr>
+              <a:t>Trace the problem with appropriate methodology applied e.g., bottom top in OSI/TCP-IP layer [13].</a:t>
+            </a:r>
+          </a:p>
+          <a:p>
+            <a:pPr marL="342900" marR="0" lvl="0" indent="-342900">
+              <a:lnSpc>
+                <a:spcPct val="107000"/>
+              </a:lnSpc>
+              <a:spcBef>
+                <a:spcPts val="0"/>
+              </a:spcBef>
+              <a:spcAft>
+                <a:spcPts val="0"/>
+              </a:spcAft>
+              <a:buFont typeface="Symbol" panose="05050102010706020507" pitchFamily="18" charset="2"/>
+              <a:buChar char=""/>
+            </a:pPr>
+            <a:r>
+              <a:rPr lang="en-US" sz="1800" dirty="0">
+                <a:effectLst/>
+                <a:latin typeface="Calibri" panose="020F0502020204030204" pitchFamily="34" charset="0"/>
+                <a:ea typeface="Calibri" panose="020F0502020204030204" pitchFamily="34" charset="0"/>
+                <a:cs typeface="Times New Roman" panose="02020603050405020304" pitchFamily="18" charset="0"/>
+              </a:rPr>
+              <a:t>Log the first point of failure</a:t>
+            </a:r>
+          </a:p>
+          <a:p>
+            <a:pPr marL="342900" marR="0" lvl="0" indent="-342900">
+              <a:lnSpc>
+                <a:spcPct val="107000"/>
+              </a:lnSpc>
+              <a:spcBef>
+                <a:spcPts val="0"/>
+              </a:spcBef>
+              <a:spcAft>
+                <a:spcPts val="0"/>
+              </a:spcAft>
+              <a:buFont typeface="Symbol" panose="05050102010706020507" pitchFamily="18" charset="2"/>
+              <a:buChar char=""/>
+            </a:pPr>
+            <a:r>
+              <a:rPr lang="en-US" sz="1800" dirty="0">
+                <a:effectLst/>
+                <a:latin typeface="Calibri" panose="020F0502020204030204" pitchFamily="34" charset="0"/>
+                <a:ea typeface="Calibri" panose="020F0502020204030204" pitchFamily="34" charset="0"/>
+                <a:cs typeface="Times New Roman" panose="02020603050405020304" pitchFamily="18" charset="0"/>
+              </a:rPr>
+              <a:t>Log the Last Point of failure</a:t>
+            </a:r>
+          </a:p>
+          <a:p>
+            <a:pPr marL="342900" marR="0" lvl="0" indent="-342900">
+              <a:lnSpc>
+                <a:spcPct val="107000"/>
+              </a:lnSpc>
+              <a:spcBef>
+                <a:spcPts val="0"/>
+              </a:spcBef>
+              <a:spcAft>
+                <a:spcPts val="0"/>
+              </a:spcAft>
+              <a:buFont typeface="Symbol" panose="05050102010706020507" pitchFamily="18" charset="2"/>
+              <a:buChar char=""/>
+            </a:pPr>
+            <a:r>
+              <a:rPr lang="en-US" sz="1800" dirty="0">
+                <a:effectLst/>
+                <a:latin typeface="Calibri" panose="020F0502020204030204" pitchFamily="34" charset="0"/>
+                <a:ea typeface="Calibri" panose="020F0502020204030204" pitchFamily="34" charset="0"/>
+                <a:cs typeface="Times New Roman" panose="02020603050405020304" pitchFamily="18" charset="0"/>
+              </a:rPr>
+              <a:t>Repeat</a:t>
+            </a:r>
+          </a:p>
+          <a:p>
+            <a:pPr marL="342900" marR="0" lvl="0" indent="-342900">
+              <a:lnSpc>
+                <a:spcPct val="107000"/>
+              </a:lnSpc>
+              <a:spcBef>
+                <a:spcPts val="0"/>
+              </a:spcBef>
+              <a:spcAft>
+                <a:spcPts val="800"/>
+              </a:spcAft>
+              <a:buFont typeface="Symbol" panose="05050102010706020507" pitchFamily="18" charset="2"/>
+              <a:buChar char=""/>
+            </a:pPr>
+            <a:r>
+              <a:rPr lang="en-US" sz="1800" dirty="0">
+                <a:effectLst/>
+                <a:latin typeface="Calibri" panose="020F0502020204030204" pitchFamily="34" charset="0"/>
+                <a:ea typeface="Calibri" panose="020F0502020204030204" pitchFamily="34" charset="0"/>
+                <a:cs typeface="Times New Roman" panose="02020603050405020304" pitchFamily="18" charset="0"/>
+              </a:rPr>
+              <a:t>Wireshark is your friend</a:t>
+            </a:r>
+          </a:p>
+          <a:p>
+            <a:pPr marL="0" marR="0">
+              <a:spcBef>
+                <a:spcPts val="0"/>
+              </a:spcBef>
+              <a:spcAft>
+                <a:spcPts val="0"/>
+              </a:spcAft>
+            </a:pPr>
+            <a:r>
+              <a:rPr lang="en-US" sz="1400" dirty="0">
+                <a:effectLst/>
+                <a:latin typeface="Calibri" panose="020F0502020204030204" pitchFamily="34" charset="0"/>
+                <a:ea typeface="Calibri" panose="020F0502020204030204" pitchFamily="34" charset="0"/>
+                <a:cs typeface="Times New Roman" panose="02020603050405020304" pitchFamily="18" charset="0"/>
+              </a:rPr>
+              <a:t>Common Logic behavior for problem solving.</a:t>
+            </a:r>
+          </a:p>
+        </p:txBody>
+      </p:sp>
+      <p:sp>
+        <p:nvSpPr>
+          <p:cNvPr id="3" name="TextBox 2">
+            <a:extLst>
+              <a:ext uri="{FF2B5EF4-FFF2-40B4-BE49-F238E27FC236}">
+                <a16:creationId xmlns:a16="http://schemas.microsoft.com/office/drawing/2014/main" id="{C13B8EBF-2D2C-4A4C-96C2-44A5187557D5}"/>
+              </a:ext>
+            </a:extLst>
+          </p:cNvPr>
+          <p:cNvSpPr txBox="1"/>
+          <p:nvPr/>
+        </p:nvSpPr>
+        <p:spPr>
+          <a:xfrm>
+            <a:off x="685800" y="1840468"/>
+            <a:ext cx="2121158" cy="369332"/>
+          </a:xfrm>
+          <a:prstGeom prst="rect">
+            <a:avLst/>
+          </a:prstGeom>
+          <a:noFill/>
+        </p:spPr>
+        <p:txBody>
+          <a:bodyPr wrap="none" rtlCol="0">
+            <a:spAutoFit/>
+          </a:bodyPr>
+          <a:lstStyle/>
+          <a:p>
+            <a:r>
+              <a:rPr lang="en-US" dirty="0"/>
+              <a:t>To solve a problem</a:t>
+            </a:r>
+          </a:p>
+        </p:txBody>
+      </p:sp>
+      <p:sp>
+        <p:nvSpPr>
+          <p:cNvPr id="9" name="TextBox 8">
+            <a:extLst>
+              <a:ext uri="{FF2B5EF4-FFF2-40B4-BE49-F238E27FC236}">
+                <a16:creationId xmlns:a16="http://schemas.microsoft.com/office/drawing/2014/main" id="{3415BF2F-CCC7-491A-9825-3B8A0AB398A2}"/>
+              </a:ext>
+            </a:extLst>
+          </p:cNvPr>
+          <p:cNvSpPr txBox="1"/>
+          <p:nvPr/>
+        </p:nvSpPr>
+        <p:spPr>
+          <a:xfrm>
+            <a:off x="685800" y="1101804"/>
+            <a:ext cx="1531253" cy="369332"/>
+          </a:xfrm>
+          <a:prstGeom prst="rect">
+            <a:avLst/>
+          </a:prstGeom>
+          <a:noFill/>
+        </p:spPr>
+        <p:txBody>
+          <a:bodyPr wrap="none" rtlCol="0">
+            <a:spAutoFit/>
+          </a:bodyPr>
+          <a:lstStyle/>
+          <a:p>
+            <a:r>
+              <a:rPr lang="en-US" dirty="0"/>
+              <a:t>To Use a tool</a:t>
+            </a:r>
+          </a:p>
+        </p:txBody>
+      </p:sp>
+      <p:sp>
+        <p:nvSpPr>
+          <p:cNvPr id="10" name="TextBox 9">
+            <a:extLst>
+              <a:ext uri="{FF2B5EF4-FFF2-40B4-BE49-F238E27FC236}">
+                <a16:creationId xmlns:a16="http://schemas.microsoft.com/office/drawing/2014/main" id="{C3CD5802-9AB1-47BA-9467-6873811D2095}"/>
+              </a:ext>
+            </a:extLst>
+          </p:cNvPr>
+          <p:cNvSpPr txBox="1"/>
+          <p:nvPr/>
+        </p:nvSpPr>
+        <p:spPr>
+          <a:xfrm>
+            <a:off x="1125666" y="1468026"/>
+            <a:ext cx="5960934" cy="375552"/>
+          </a:xfrm>
+          <a:prstGeom prst="rect">
+            <a:avLst/>
+          </a:prstGeom>
+          <a:noFill/>
+        </p:spPr>
+        <p:txBody>
+          <a:bodyPr wrap="square">
+            <a:spAutoFit/>
+          </a:bodyPr>
+          <a:lstStyle/>
+          <a:p>
+            <a:pPr marL="342900" marR="0" lvl="0" indent="-342900">
+              <a:lnSpc>
+                <a:spcPct val="107000"/>
+              </a:lnSpc>
+              <a:spcBef>
+                <a:spcPts val="0"/>
+              </a:spcBef>
+              <a:spcAft>
+                <a:spcPts val="0"/>
+              </a:spcAft>
+              <a:buFont typeface="Symbol" panose="05050102010706020507" pitchFamily="18" charset="2"/>
+              <a:buChar char=""/>
+            </a:pPr>
+            <a:r>
+              <a:rPr lang="en-US" sz="1800" dirty="0">
+                <a:effectLst/>
+                <a:latin typeface="Calibri" panose="020F0502020204030204" pitchFamily="34" charset="0"/>
+                <a:ea typeface="Calibri" panose="020F0502020204030204" pitchFamily="34" charset="0"/>
+                <a:cs typeface="Times New Roman" panose="02020603050405020304" pitchFamily="18" charset="0"/>
+              </a:rPr>
+              <a:t>Its about current infrastructure and design possibilities</a:t>
+            </a:r>
+          </a:p>
+        </p:txBody>
+      </p:sp>
+    </p:spTree>
+    <p:extLst>
+      <p:ext uri="{BB962C8B-B14F-4D97-AF65-F5344CB8AC3E}">
+        <p14:creationId xmlns:p14="http://schemas.microsoft.com/office/powerpoint/2010/main" val="2706742321"/>
+      </p:ext>
+    </p:extLst>
+  </p:cSld>
+  <p:clrMapOvr>
+    <a:masterClrMapping/>
+  </p:clrMapOvr>
+</p:sld>
+</file>
+
+<file path=ppt/slides/slide22.xml><?xml version="1.0" encoding="utf-8"?>
 <p:sld xmlns:a="http://schemas.openxmlformats.org/drawingml/2006/main" xmlns:r="http://schemas.openxmlformats.org/officeDocument/2006/relationships" xmlns:p="http://schemas.openxmlformats.org/presentationml/2006/main" showMasterPhAnim="0">
   <p:cSld>
     <p:spTree>

--- a/COMPUTER AND NETWORK SECURITY (CN6003)/Protocol_Analyzers_Presentation.pptx
+++ b/COMPUTER AND NETWORK SECURITY (CN6003)/Protocol_Analyzers_Presentation.pptx
@@ -5,7 +5,7 @@
     <p:sldMasterId id="2147483648" r:id="rId1"/>
   </p:sldMasterIdLst>
   <p:notesMasterIdLst>
-    <p:notesMasterId r:id="rId24"/>
+    <p:notesMasterId r:id="rId30"/>
   </p:notesMasterIdLst>
   <p:sldIdLst>
     <p:sldId id="256" r:id="rId2"/>
@@ -17,19 +17,25 @@
     <p:sldId id="291" r:id="rId8"/>
     <p:sldId id="297" r:id="rId9"/>
     <p:sldId id="298" r:id="rId10"/>
-    <p:sldId id="299" r:id="rId11"/>
-    <p:sldId id="300" r:id="rId12"/>
-    <p:sldId id="301" r:id="rId13"/>
-    <p:sldId id="303" r:id="rId14"/>
-    <p:sldId id="302" r:id="rId15"/>
-    <p:sldId id="304" r:id="rId16"/>
-    <p:sldId id="305" r:id="rId17"/>
-    <p:sldId id="306" r:id="rId18"/>
-    <p:sldId id="307" r:id="rId19"/>
-    <p:sldId id="308" r:id="rId20"/>
-    <p:sldId id="309" r:id="rId21"/>
-    <p:sldId id="310" r:id="rId22"/>
-    <p:sldId id="294" r:id="rId23"/>
+    <p:sldId id="312" r:id="rId11"/>
+    <p:sldId id="313" r:id="rId12"/>
+    <p:sldId id="314" r:id="rId13"/>
+    <p:sldId id="315" r:id="rId14"/>
+    <p:sldId id="316" r:id="rId15"/>
+    <p:sldId id="311" r:id="rId16"/>
+    <p:sldId id="299" r:id="rId17"/>
+    <p:sldId id="300" r:id="rId18"/>
+    <p:sldId id="301" r:id="rId19"/>
+    <p:sldId id="303" r:id="rId20"/>
+    <p:sldId id="302" r:id="rId21"/>
+    <p:sldId id="304" r:id="rId22"/>
+    <p:sldId id="305" r:id="rId23"/>
+    <p:sldId id="306" r:id="rId24"/>
+    <p:sldId id="307" r:id="rId25"/>
+    <p:sldId id="308" r:id="rId26"/>
+    <p:sldId id="309" r:id="rId27"/>
+    <p:sldId id="310" r:id="rId28"/>
+    <p:sldId id="294" r:id="rId29"/>
   </p:sldIdLst>
   <p:sldSz cx="9144000" cy="6858000" type="screen4x3"/>
   <p:notesSz cx="6858000" cy="9144000"/>
@@ -8859,6 +8865,1091 @@
           <a:p>
             <a:r>
               <a:rPr lang="en-US" altLang="en-US" dirty="0"/>
+              <a:t>Use cases  scenario 1</a:t>
+            </a:r>
+          </a:p>
+        </p:txBody>
+      </p:sp>
+      <p:sp>
+        <p:nvSpPr>
+          <p:cNvPr id="6" name="Rectangle 5">
+            <a:extLst>
+              <a:ext uri="{FF2B5EF4-FFF2-40B4-BE49-F238E27FC236}">
+                <a16:creationId xmlns:a16="http://schemas.microsoft.com/office/drawing/2014/main" id="{A3104063-1FE2-4C14-A051-C1B3D8E9AE45}"/>
+              </a:ext>
+            </a:extLst>
+          </p:cNvPr>
+          <p:cNvSpPr/>
+          <p:nvPr/>
+        </p:nvSpPr>
+        <p:spPr>
+          <a:xfrm>
+            <a:off x="835081" y="1518592"/>
+            <a:ext cx="7325169" cy="458780"/>
+          </a:xfrm>
+          <a:prstGeom prst="rect">
+            <a:avLst/>
+          </a:prstGeom>
+          <a:noFill/>
+        </p:spPr>
+        <p:txBody>
+          <a:bodyPr wrap="square" lIns="91440" tIns="45720" rIns="91440" bIns="45720">
+            <a:spAutoFit/>
+          </a:bodyPr>
+          <a:lstStyle/>
+          <a:p>
+            <a:pPr marL="685800" marR="0" indent="-685800" algn="ctr">
+              <a:lnSpc>
+                <a:spcPct val="107000"/>
+              </a:lnSpc>
+            </a:pPr>
+            <a:r>
+              <a:rPr lang="en-US" sz="2400" dirty="0">
+                <a:ln w="0"/>
+                <a:effectLst>
+                  <a:outerShdw blurRad="38100" dist="19050" dir="2700000" algn="tl" rotWithShape="0">
+                    <a:schemeClr val="dk1">
+                      <a:alpha val="40000"/>
+                    </a:schemeClr>
+                  </a:outerShdw>
+                </a:effectLst>
+              </a:rPr>
+              <a:t>Problem Thinking</a:t>
+            </a:r>
+          </a:p>
+        </p:txBody>
+      </p:sp>
+      <p:sp>
+        <p:nvSpPr>
+          <p:cNvPr id="7" name="TextBox 6">
+            <a:extLst>
+              <a:ext uri="{FF2B5EF4-FFF2-40B4-BE49-F238E27FC236}">
+                <a16:creationId xmlns:a16="http://schemas.microsoft.com/office/drawing/2014/main" id="{4DF57729-C8D7-46FF-9170-5845030D6C96}"/>
+              </a:ext>
+            </a:extLst>
+          </p:cNvPr>
+          <p:cNvSpPr txBox="1"/>
+          <p:nvPr/>
+        </p:nvSpPr>
+        <p:spPr>
+          <a:xfrm>
+            <a:off x="344154" y="1887106"/>
+            <a:ext cx="7964765" cy="4764766"/>
+          </a:xfrm>
+          <a:prstGeom prst="rect">
+            <a:avLst/>
+          </a:prstGeom>
+          <a:noFill/>
+        </p:spPr>
+        <p:txBody>
+          <a:bodyPr wrap="square">
+            <a:spAutoFit/>
+          </a:bodyPr>
+          <a:lstStyle/>
+          <a:p>
+            <a:pPr marL="685800" marR="0">
+              <a:lnSpc>
+                <a:spcPct val="107000"/>
+              </a:lnSpc>
+              <a:spcBef>
+                <a:spcPts val="0"/>
+              </a:spcBef>
+              <a:spcAft>
+                <a:spcPts val="800"/>
+              </a:spcAft>
+            </a:pPr>
+            <a:r>
+              <a:rPr lang="en-US" sz="1600" dirty="0">
+                <a:effectLst/>
+                <a:latin typeface="Calibri" panose="020F0502020204030204" pitchFamily="34" charset="0"/>
+                <a:ea typeface="Calibri" panose="020F0502020204030204" pitchFamily="34" charset="0"/>
+                <a:cs typeface="Times New Roman" panose="02020603050405020304" pitchFamily="18" charset="0"/>
+              </a:rPr>
+              <a:t>When we face such problems first, we look into documentation of the framework/game engine to see which IP range the LAN packets are being sent (in which IP the server Listens and the clients should broadcast/multicast).</a:t>
+            </a:r>
+          </a:p>
+          <a:p>
+            <a:pPr marL="685800" marR="0">
+              <a:lnSpc>
+                <a:spcPct val="107000"/>
+              </a:lnSpc>
+              <a:spcBef>
+                <a:spcPts val="0"/>
+              </a:spcBef>
+              <a:spcAft>
+                <a:spcPts val="800"/>
+              </a:spcAft>
+            </a:pPr>
+            <a:r>
+              <a:rPr lang="en-US" sz="1600" dirty="0">
+                <a:effectLst/>
+                <a:latin typeface="Calibri" panose="020F0502020204030204" pitchFamily="34" charset="0"/>
+                <a:ea typeface="Calibri" panose="020F0502020204030204" pitchFamily="34" charset="0"/>
+                <a:cs typeface="Times New Roman" panose="02020603050405020304" pitchFamily="18" charset="0"/>
+              </a:rPr>
+              <a:t>Let’s assume that we do not have such information for a reason, how we approach this kind of a problem?</a:t>
+            </a:r>
+          </a:p>
+          <a:p>
+            <a:pPr marL="342900" marR="0" lvl="0" indent="-342900">
+              <a:lnSpc>
+                <a:spcPct val="107000"/>
+              </a:lnSpc>
+              <a:spcBef>
+                <a:spcPts val="0"/>
+              </a:spcBef>
+              <a:spcAft>
+                <a:spcPts val="0"/>
+              </a:spcAft>
+              <a:buFont typeface="Symbol" panose="05050102010706020507" pitchFamily="18" charset="2"/>
+              <a:buChar char=""/>
+            </a:pPr>
+            <a:r>
+              <a:rPr lang="en-US" sz="1600" dirty="0">
+                <a:effectLst/>
+                <a:latin typeface="Calibri" panose="020F0502020204030204" pitchFamily="34" charset="0"/>
+                <a:ea typeface="Calibri" panose="020F0502020204030204" pitchFamily="34" charset="0"/>
+                <a:cs typeface="Times New Roman" panose="02020603050405020304" pitchFamily="18" charset="0"/>
+              </a:rPr>
+              <a:t>Check the 2 Game instances on 1 local machine with a loopback adapter to see if they can successfully communicate join each other and from which IP as outbound/sent interface the multicast (mcast) or broadcast traffic is being generated/pushed-forward (using Network Traffic Analyzers).</a:t>
+            </a:r>
+          </a:p>
+          <a:p>
+            <a:pPr marL="342900" marR="0" lvl="0" indent="-342900">
+              <a:lnSpc>
+                <a:spcPct val="107000"/>
+              </a:lnSpc>
+              <a:spcBef>
+                <a:spcPts val="0"/>
+              </a:spcBef>
+              <a:spcAft>
+                <a:spcPts val="0"/>
+              </a:spcAft>
+              <a:buFont typeface="Symbol" panose="05050102010706020507" pitchFamily="18" charset="2"/>
+              <a:buChar char=""/>
+            </a:pPr>
+            <a:r>
+              <a:rPr lang="en-US" sz="1600" dirty="0">
+                <a:effectLst/>
+                <a:latin typeface="Calibri" panose="020F0502020204030204" pitchFamily="34" charset="0"/>
+                <a:ea typeface="Calibri" panose="020F0502020204030204" pitchFamily="34" charset="0"/>
+                <a:cs typeface="Times New Roman" panose="02020603050405020304" pitchFamily="18" charset="0"/>
+              </a:rPr>
+              <a:t>Create an isolated Network Environment where broadcast or multicasts packets are being controlled and they are known for each of the service (if you use a regular/normal network environment then the packets will be too many and it will take a while until you recognize the proper ones that being generated from client for a find/join session plus you may introduce network congestion or Computer/program crash if the traffic is extremely high … always try to reproduce the problem under controlled environment)</a:t>
+            </a:r>
+          </a:p>
+          <a:p>
+            <a:pPr marL="342900" marR="0" lvl="0" indent="-342900">
+              <a:lnSpc>
+                <a:spcPct val="107000"/>
+              </a:lnSpc>
+              <a:spcBef>
+                <a:spcPts val="0"/>
+              </a:spcBef>
+              <a:spcAft>
+                <a:spcPts val="800"/>
+              </a:spcAft>
+              <a:buFont typeface="Symbol" panose="05050102010706020507" pitchFamily="18" charset="2"/>
+              <a:buChar char=""/>
+            </a:pPr>
+            <a:r>
+              <a:rPr lang="en-US" sz="1600" dirty="0">
+                <a:effectLst/>
+                <a:latin typeface="Calibri" panose="020F0502020204030204" pitchFamily="34" charset="0"/>
+                <a:ea typeface="Calibri" panose="020F0502020204030204" pitchFamily="34" charset="0"/>
+                <a:cs typeface="Times New Roman" panose="02020603050405020304" pitchFamily="18" charset="0"/>
+              </a:rPr>
+              <a:t>Use a Network Analyzer to see the Network Traffic that being generated across the Network</a:t>
+            </a:r>
+          </a:p>
+        </p:txBody>
+      </p:sp>
+    </p:spTree>
+    <p:extLst>
+      <p:ext uri="{BB962C8B-B14F-4D97-AF65-F5344CB8AC3E}">
+        <p14:creationId xmlns:p14="http://schemas.microsoft.com/office/powerpoint/2010/main" val="905941381"/>
+      </p:ext>
+    </p:extLst>
+  </p:cSld>
+  <p:clrMapOvr>
+    <a:masterClrMapping/>
+  </p:clrMapOvr>
+</p:sld>
+</file>
+
+<file path=ppt/slides/slide11.xml><?xml version="1.0" encoding="utf-8"?>
+<p:sld xmlns:a="http://schemas.openxmlformats.org/drawingml/2006/main" xmlns:r="http://schemas.openxmlformats.org/officeDocument/2006/relationships" xmlns:p="http://schemas.openxmlformats.org/presentationml/2006/main" showMasterPhAnim="0">
+  <p:cSld>
+    <p:spTree>
+      <p:nvGrpSpPr>
+        <p:cNvPr id="1" name=""/>
+        <p:cNvGrpSpPr/>
+        <p:nvPr/>
+      </p:nvGrpSpPr>
+      <p:grpSpPr>
+        <a:xfrm>
+          <a:off x="0" y="0"/>
+          <a:ext cx="0" cy="0"/>
+          <a:chOff x="0" y="0"/>
+          <a:chExt cx="0" cy="0"/>
+        </a:xfrm>
+      </p:grpSpPr>
+      <p:sp>
+        <p:nvSpPr>
+          <p:cNvPr id="106518" name="Rectangle 22">
+            <a:extLst>
+              <a:ext uri="{FF2B5EF4-FFF2-40B4-BE49-F238E27FC236}">
+                <a16:creationId xmlns:a16="http://schemas.microsoft.com/office/drawing/2014/main" id="{F5A29FC8-8C4B-45E5-94D1-7D28B3C04B66}"/>
+              </a:ext>
+            </a:extLst>
+          </p:cNvPr>
+          <p:cNvSpPr>
+            <a:spLocks noGrp="1" noChangeArrowheads="1"/>
+          </p:cNvSpPr>
+          <p:nvPr>
+            <p:ph type="title"/>
+          </p:nvPr>
+        </p:nvSpPr>
+        <p:spPr/>
+        <p:txBody>
+          <a:bodyPr/>
+          <a:lstStyle/>
+          <a:p>
+            <a:r>
+              <a:rPr lang="en-US" altLang="en-US" dirty="0"/>
+              <a:t>Use cases  scenario 1</a:t>
+            </a:r>
+          </a:p>
+        </p:txBody>
+      </p:sp>
+      <p:sp>
+        <p:nvSpPr>
+          <p:cNvPr id="6" name="Rectangle 5">
+            <a:extLst>
+              <a:ext uri="{FF2B5EF4-FFF2-40B4-BE49-F238E27FC236}">
+                <a16:creationId xmlns:a16="http://schemas.microsoft.com/office/drawing/2014/main" id="{A3104063-1FE2-4C14-A051-C1B3D8E9AE45}"/>
+              </a:ext>
+            </a:extLst>
+          </p:cNvPr>
+          <p:cNvSpPr/>
+          <p:nvPr/>
+        </p:nvSpPr>
+        <p:spPr>
+          <a:xfrm>
+            <a:off x="835081" y="1518592"/>
+            <a:ext cx="7325169" cy="458780"/>
+          </a:xfrm>
+          <a:prstGeom prst="rect">
+            <a:avLst/>
+          </a:prstGeom>
+          <a:noFill/>
+        </p:spPr>
+        <p:txBody>
+          <a:bodyPr wrap="square" lIns="91440" tIns="45720" rIns="91440" bIns="45720">
+            <a:spAutoFit/>
+          </a:bodyPr>
+          <a:lstStyle/>
+          <a:p>
+            <a:pPr marL="685800" marR="0" indent="-685800" algn="ctr">
+              <a:lnSpc>
+                <a:spcPct val="107000"/>
+              </a:lnSpc>
+            </a:pPr>
+            <a:r>
+              <a:rPr lang="en-US" sz="2400" dirty="0">
+                <a:ln w="0"/>
+                <a:effectLst>
+                  <a:outerShdw blurRad="38100" dist="19050" dir="2700000" algn="tl" rotWithShape="0">
+                    <a:schemeClr val="dk1">
+                      <a:alpha val="40000"/>
+                    </a:schemeClr>
+                  </a:outerShdw>
+                </a:effectLst>
+              </a:rPr>
+              <a:t>The Solution</a:t>
+            </a:r>
+          </a:p>
+        </p:txBody>
+      </p:sp>
+      <p:sp>
+        <p:nvSpPr>
+          <p:cNvPr id="7" name="TextBox 6">
+            <a:extLst>
+              <a:ext uri="{FF2B5EF4-FFF2-40B4-BE49-F238E27FC236}">
+                <a16:creationId xmlns:a16="http://schemas.microsoft.com/office/drawing/2014/main" id="{4DF57729-C8D7-46FF-9170-5845030D6C96}"/>
+              </a:ext>
+            </a:extLst>
+          </p:cNvPr>
+          <p:cNvSpPr txBox="1"/>
+          <p:nvPr/>
+        </p:nvSpPr>
+        <p:spPr>
+          <a:xfrm>
+            <a:off x="344154" y="2286000"/>
+            <a:ext cx="7964765" cy="3420616"/>
+          </a:xfrm>
+          <a:prstGeom prst="rect">
+            <a:avLst/>
+          </a:prstGeom>
+          <a:noFill/>
+        </p:spPr>
+        <p:txBody>
+          <a:bodyPr wrap="square">
+            <a:spAutoFit/>
+          </a:bodyPr>
+          <a:lstStyle/>
+          <a:p>
+            <a:pPr marL="685800" marR="0">
+              <a:lnSpc>
+                <a:spcPct val="107000"/>
+              </a:lnSpc>
+              <a:spcBef>
+                <a:spcPts val="0"/>
+              </a:spcBef>
+              <a:spcAft>
+                <a:spcPts val="800"/>
+              </a:spcAft>
+            </a:pPr>
+            <a:r>
+              <a:rPr lang="en-US" sz="1600" dirty="0">
+                <a:effectLst/>
+                <a:latin typeface="Calibri" panose="020F0502020204030204" pitchFamily="34" charset="0"/>
+                <a:ea typeface="Calibri" panose="020F0502020204030204" pitchFamily="34" charset="0"/>
+                <a:cs typeface="Times New Roman" panose="02020603050405020304" pitchFamily="18" charset="0"/>
+              </a:rPr>
+              <a:t>Using Wireshark first we performed find/join operations from client game instance on a loopback to first catch the IP address that is being generated … it seems to be a simple broadcast with the pc/host domain name 255.255.255.255</a:t>
+            </a:r>
+          </a:p>
+          <a:p>
+            <a:pPr marL="685800">
+              <a:lnSpc>
+                <a:spcPct val="107000"/>
+              </a:lnSpc>
+              <a:spcBef>
+                <a:spcPts val="0"/>
+              </a:spcBef>
+              <a:spcAft>
+                <a:spcPts val="800"/>
+              </a:spcAft>
+            </a:pPr>
+            <a:r>
+              <a:rPr lang="en-US" sz="1600" dirty="0">
+                <a:effectLst/>
+                <a:latin typeface="Calibri" panose="020F0502020204030204" pitchFamily="34" charset="0"/>
+                <a:ea typeface="Calibri" panose="020F0502020204030204" pitchFamily="34" charset="0"/>
+                <a:cs typeface="Times New Roman" panose="02020603050405020304" pitchFamily="18" charset="0"/>
+              </a:rPr>
+              <a:t>We tried in another network adapters/interface as well such as wi-fi but for a strange reason there were not broadcast packets at all there.</a:t>
+            </a:r>
+          </a:p>
+          <a:p>
+            <a:pPr marL="685800" marR="0">
+              <a:lnSpc>
+                <a:spcPct val="107000"/>
+              </a:lnSpc>
+              <a:spcBef>
+                <a:spcPts val="0"/>
+              </a:spcBef>
+              <a:spcAft>
+                <a:spcPts val="800"/>
+              </a:spcAft>
+            </a:pPr>
+            <a:r>
+              <a:rPr lang="en-US" sz="1600" dirty="0">
+                <a:effectLst/>
+                <a:latin typeface="Calibri" panose="020F0502020204030204" pitchFamily="34" charset="0"/>
+                <a:ea typeface="Calibri" panose="020F0502020204030204" pitchFamily="34" charset="0"/>
+                <a:cs typeface="Times New Roman" panose="02020603050405020304" pitchFamily="18" charset="0"/>
+              </a:rPr>
+              <a:t>But we detected that in VMware Network Adapter </a:t>
+            </a:r>
+            <a:r>
+              <a:rPr lang="en-US" sz="1600" dirty="0" err="1">
+                <a:effectLst/>
+                <a:latin typeface="Calibri" panose="020F0502020204030204" pitchFamily="34" charset="0"/>
+                <a:ea typeface="Calibri" panose="020F0502020204030204" pitchFamily="34" charset="0"/>
+                <a:cs typeface="Times New Roman" panose="02020603050405020304" pitchFamily="18" charset="0"/>
+              </a:rPr>
+              <a:t>VMNetx</a:t>
+            </a:r>
+            <a:r>
+              <a:rPr lang="en-US" sz="1600" dirty="0">
+                <a:effectLst/>
+                <a:latin typeface="Calibri" panose="020F0502020204030204" pitchFamily="34" charset="0"/>
+                <a:ea typeface="Calibri" panose="020F0502020204030204" pitchFamily="34" charset="0"/>
+                <a:cs typeface="Times New Roman" panose="02020603050405020304" pitchFamily="18" charset="0"/>
+              </a:rPr>
+              <a:t> (1, 2, 3... etc. depending on configuration) the broadcast packets appeared normally but not in wi-fi</a:t>
+            </a:r>
+          </a:p>
+          <a:p>
+            <a:pPr marL="685800">
+              <a:lnSpc>
+                <a:spcPct val="107000"/>
+              </a:lnSpc>
+              <a:spcBef>
+                <a:spcPts val="0"/>
+              </a:spcBef>
+              <a:spcAft>
+                <a:spcPts val="800"/>
+              </a:spcAft>
+            </a:pPr>
+            <a:r>
+              <a:rPr lang="en-US" sz="1600" dirty="0">
+                <a:effectLst/>
+                <a:latin typeface="Calibri" panose="020F0502020204030204" pitchFamily="34" charset="0"/>
+                <a:ea typeface="Calibri" panose="020F0502020204030204" pitchFamily="34" charset="0"/>
+                <a:cs typeface="Times New Roman" panose="02020603050405020304" pitchFamily="18" charset="0"/>
+              </a:rPr>
+              <a:t>This is more likely to be a Network priority interface problem to validate our thinking we opened a PowerShell session in windows 10 and typed the command: </a:t>
+            </a:r>
+            <a:r>
+              <a:rPr lang="en-US" sz="1600" i="1" dirty="0">
+                <a:effectLst/>
+                <a:latin typeface="Calibri" panose="020F0502020204030204" pitchFamily="34" charset="0"/>
+                <a:ea typeface="Calibri" panose="020F0502020204030204" pitchFamily="34" charset="0"/>
+                <a:cs typeface="Times New Roman" panose="02020603050405020304" pitchFamily="18" charset="0"/>
+              </a:rPr>
+              <a:t>Get-</a:t>
+            </a:r>
+            <a:r>
+              <a:rPr lang="en-US" sz="1600" i="1" dirty="0" err="1">
+                <a:effectLst/>
+                <a:latin typeface="Calibri" panose="020F0502020204030204" pitchFamily="34" charset="0"/>
+                <a:ea typeface="Calibri" panose="020F0502020204030204" pitchFamily="34" charset="0"/>
+                <a:cs typeface="Times New Roman" panose="02020603050405020304" pitchFamily="18" charset="0"/>
+              </a:rPr>
+              <a:t>NetIPInterface</a:t>
+            </a:r>
+            <a:endParaRPr lang="en-US" sz="1600" dirty="0">
+              <a:effectLst/>
+              <a:latin typeface="Calibri" panose="020F0502020204030204" pitchFamily="34" charset="0"/>
+              <a:ea typeface="Calibri" panose="020F0502020204030204" pitchFamily="34" charset="0"/>
+              <a:cs typeface="Times New Roman" panose="02020603050405020304" pitchFamily="18" charset="0"/>
+            </a:endParaRPr>
+          </a:p>
+          <a:p>
+            <a:pPr marL="685800" marR="0">
+              <a:lnSpc>
+                <a:spcPct val="107000"/>
+              </a:lnSpc>
+              <a:spcBef>
+                <a:spcPts val="0"/>
+              </a:spcBef>
+              <a:spcAft>
+                <a:spcPts val="800"/>
+              </a:spcAft>
+            </a:pPr>
+            <a:endParaRPr lang="en-US" sz="1800" dirty="0">
+              <a:effectLst/>
+              <a:latin typeface="Calibri" panose="020F0502020204030204" pitchFamily="34" charset="0"/>
+              <a:ea typeface="Calibri" panose="020F0502020204030204" pitchFamily="34" charset="0"/>
+              <a:cs typeface="Times New Roman" panose="02020603050405020304" pitchFamily="18" charset="0"/>
+            </a:endParaRPr>
+          </a:p>
+        </p:txBody>
+      </p:sp>
+    </p:spTree>
+    <p:extLst>
+      <p:ext uri="{BB962C8B-B14F-4D97-AF65-F5344CB8AC3E}">
+        <p14:creationId xmlns:p14="http://schemas.microsoft.com/office/powerpoint/2010/main" val="2172457212"/>
+      </p:ext>
+    </p:extLst>
+  </p:cSld>
+  <p:clrMapOvr>
+    <a:masterClrMapping/>
+  </p:clrMapOvr>
+</p:sld>
+</file>
+
+<file path=ppt/slides/slide12.xml><?xml version="1.0" encoding="utf-8"?>
+<p:sld xmlns:a="http://schemas.openxmlformats.org/drawingml/2006/main" xmlns:r="http://schemas.openxmlformats.org/officeDocument/2006/relationships" xmlns:p="http://schemas.openxmlformats.org/presentationml/2006/main" showMasterPhAnim="0">
+  <p:cSld>
+    <p:spTree>
+      <p:nvGrpSpPr>
+        <p:cNvPr id="1" name=""/>
+        <p:cNvGrpSpPr/>
+        <p:nvPr/>
+      </p:nvGrpSpPr>
+      <p:grpSpPr>
+        <a:xfrm>
+          <a:off x="0" y="0"/>
+          <a:ext cx="0" cy="0"/>
+          <a:chOff x="0" y="0"/>
+          <a:chExt cx="0" cy="0"/>
+        </a:xfrm>
+      </p:grpSpPr>
+      <p:sp>
+        <p:nvSpPr>
+          <p:cNvPr id="106518" name="Rectangle 22">
+            <a:extLst>
+              <a:ext uri="{FF2B5EF4-FFF2-40B4-BE49-F238E27FC236}">
+                <a16:creationId xmlns:a16="http://schemas.microsoft.com/office/drawing/2014/main" id="{F5A29FC8-8C4B-45E5-94D1-7D28B3C04B66}"/>
+              </a:ext>
+            </a:extLst>
+          </p:cNvPr>
+          <p:cNvSpPr>
+            <a:spLocks noGrp="1" noChangeArrowheads="1"/>
+          </p:cNvSpPr>
+          <p:nvPr>
+            <p:ph type="title"/>
+          </p:nvPr>
+        </p:nvSpPr>
+        <p:spPr/>
+        <p:txBody>
+          <a:bodyPr/>
+          <a:lstStyle/>
+          <a:p>
+            <a:r>
+              <a:rPr lang="en-US" altLang="en-US" dirty="0"/>
+              <a:t>Use cases  scenario 1</a:t>
+            </a:r>
+          </a:p>
+        </p:txBody>
+      </p:sp>
+      <p:pic>
+        <p:nvPicPr>
+          <p:cNvPr id="8" name="Picture 7">
+            <a:extLst>
+              <a:ext uri="{FF2B5EF4-FFF2-40B4-BE49-F238E27FC236}">
+                <a16:creationId xmlns:a16="http://schemas.microsoft.com/office/drawing/2014/main" id="{BFE7F3A8-F943-4C7A-AFB1-798A7FC27019}"/>
+              </a:ext>
+            </a:extLst>
+          </p:cNvPr>
+          <p:cNvPicPr>
+            <a:picLocks noChangeAspect="1"/>
+          </p:cNvPicPr>
+          <p:nvPr/>
+        </p:nvPicPr>
+        <p:blipFill>
+          <a:blip r:embed="rId2"/>
+          <a:stretch>
+            <a:fillRect/>
+          </a:stretch>
+        </p:blipFill>
+        <p:spPr>
+          <a:xfrm>
+            <a:off x="565161" y="1066800"/>
+            <a:ext cx="8013678" cy="3077047"/>
+          </a:xfrm>
+          <a:prstGeom prst="rect">
+            <a:avLst/>
+          </a:prstGeom>
+        </p:spPr>
+      </p:pic>
+      <p:sp>
+        <p:nvSpPr>
+          <p:cNvPr id="9" name="TextBox 8">
+            <a:extLst>
+              <a:ext uri="{FF2B5EF4-FFF2-40B4-BE49-F238E27FC236}">
+                <a16:creationId xmlns:a16="http://schemas.microsoft.com/office/drawing/2014/main" id="{9812D69A-733B-4EFD-ACE5-804F2BCD460B}"/>
+              </a:ext>
+            </a:extLst>
+          </p:cNvPr>
+          <p:cNvSpPr txBox="1"/>
+          <p:nvPr/>
+        </p:nvSpPr>
+        <p:spPr>
+          <a:xfrm>
+            <a:off x="2286000" y="4343400"/>
+            <a:ext cx="4572000" cy="1323439"/>
+          </a:xfrm>
+          <a:prstGeom prst="rect">
+            <a:avLst/>
+          </a:prstGeom>
+          <a:noFill/>
+        </p:spPr>
+        <p:txBody>
+          <a:bodyPr wrap="square">
+            <a:spAutoFit/>
+          </a:bodyPr>
+          <a:lstStyle/>
+          <a:p>
+            <a:r>
+              <a:rPr lang="en-US" sz="1600" dirty="0">
+                <a:effectLst/>
+                <a:latin typeface="Calibri" panose="020F0502020204030204" pitchFamily="34" charset="0"/>
+                <a:ea typeface="Calibri" panose="020F0502020204030204" pitchFamily="34" charset="0"/>
+                <a:cs typeface="Times New Roman" panose="02020603050405020304" pitchFamily="18" charset="0"/>
+              </a:rPr>
+              <a:t>we can see that in the loopback adapter the interface that the traffic generated outbound was not in wi-fi at all but on </a:t>
+            </a:r>
+            <a:r>
+              <a:rPr lang="en-US" sz="1600" dirty="0" err="1">
+                <a:effectLst/>
+                <a:latin typeface="Calibri" panose="020F0502020204030204" pitchFamily="34" charset="0"/>
+                <a:ea typeface="Calibri" panose="020F0502020204030204" pitchFamily="34" charset="0"/>
+                <a:cs typeface="Times New Roman" panose="02020603050405020304" pitchFamily="18" charset="0"/>
+              </a:rPr>
+              <a:t>vmnet</a:t>
+            </a:r>
+            <a:r>
+              <a:rPr lang="en-US" sz="1600" dirty="0">
+                <a:effectLst/>
+                <a:latin typeface="Calibri" panose="020F0502020204030204" pitchFamily="34" charset="0"/>
+                <a:ea typeface="Calibri" panose="020F0502020204030204" pitchFamily="34" charset="0"/>
+                <a:cs typeface="Times New Roman" panose="02020603050405020304" pitchFamily="18" charset="0"/>
+              </a:rPr>
+              <a:t> adapter with that in mind we could disable it and try again until we see that wi-fi gets the traffic (priority issue)). </a:t>
+            </a:r>
+            <a:endParaRPr lang="en-US" sz="1600" dirty="0"/>
+          </a:p>
+        </p:txBody>
+      </p:sp>
+    </p:spTree>
+    <p:extLst>
+      <p:ext uri="{BB962C8B-B14F-4D97-AF65-F5344CB8AC3E}">
+        <p14:creationId xmlns:p14="http://schemas.microsoft.com/office/powerpoint/2010/main" val="2371242786"/>
+      </p:ext>
+    </p:extLst>
+  </p:cSld>
+  <p:clrMapOvr>
+    <a:masterClrMapping/>
+  </p:clrMapOvr>
+</p:sld>
+</file>
+
+<file path=ppt/slides/slide13.xml><?xml version="1.0" encoding="utf-8"?>
+<p:sld xmlns:a="http://schemas.openxmlformats.org/drawingml/2006/main" xmlns:r="http://schemas.openxmlformats.org/officeDocument/2006/relationships" xmlns:p="http://schemas.openxmlformats.org/presentationml/2006/main" showMasterPhAnim="0">
+  <p:cSld>
+    <p:spTree>
+      <p:nvGrpSpPr>
+        <p:cNvPr id="1" name=""/>
+        <p:cNvGrpSpPr/>
+        <p:nvPr/>
+      </p:nvGrpSpPr>
+      <p:grpSpPr>
+        <a:xfrm>
+          <a:off x="0" y="0"/>
+          <a:ext cx="0" cy="0"/>
+          <a:chOff x="0" y="0"/>
+          <a:chExt cx="0" cy="0"/>
+        </a:xfrm>
+      </p:grpSpPr>
+      <p:sp>
+        <p:nvSpPr>
+          <p:cNvPr id="106518" name="Rectangle 22">
+            <a:extLst>
+              <a:ext uri="{FF2B5EF4-FFF2-40B4-BE49-F238E27FC236}">
+                <a16:creationId xmlns:a16="http://schemas.microsoft.com/office/drawing/2014/main" id="{F5A29FC8-8C4B-45E5-94D1-7D28B3C04B66}"/>
+              </a:ext>
+            </a:extLst>
+          </p:cNvPr>
+          <p:cNvSpPr>
+            <a:spLocks noGrp="1" noChangeArrowheads="1"/>
+          </p:cNvSpPr>
+          <p:nvPr>
+            <p:ph type="title"/>
+          </p:nvPr>
+        </p:nvSpPr>
+        <p:spPr/>
+        <p:txBody>
+          <a:bodyPr/>
+          <a:lstStyle/>
+          <a:p>
+            <a:r>
+              <a:rPr lang="en-US" altLang="en-US" dirty="0"/>
+              <a:t>Use cases  scenario 1</a:t>
+            </a:r>
+          </a:p>
+        </p:txBody>
+      </p:sp>
+      <p:pic>
+        <p:nvPicPr>
+          <p:cNvPr id="5" name="Picture 4">
+            <a:extLst>
+              <a:ext uri="{FF2B5EF4-FFF2-40B4-BE49-F238E27FC236}">
+                <a16:creationId xmlns:a16="http://schemas.microsoft.com/office/drawing/2014/main" id="{672A1DCD-2F82-46F9-8385-A50E140AFF90}"/>
+              </a:ext>
+            </a:extLst>
+          </p:cNvPr>
+          <p:cNvPicPr>
+            <a:picLocks noChangeAspect="1"/>
+          </p:cNvPicPr>
+          <p:nvPr/>
+        </p:nvPicPr>
+        <p:blipFill>
+          <a:blip r:embed="rId2"/>
+          <a:stretch>
+            <a:fillRect/>
+          </a:stretch>
+        </p:blipFill>
+        <p:spPr>
+          <a:xfrm>
+            <a:off x="1600200" y="1178242"/>
+            <a:ext cx="5943600" cy="2672715"/>
+          </a:xfrm>
+          <a:prstGeom prst="rect">
+            <a:avLst/>
+          </a:prstGeom>
+        </p:spPr>
+      </p:pic>
+      <p:sp>
+        <p:nvSpPr>
+          <p:cNvPr id="7" name="TextBox 6">
+            <a:extLst>
+              <a:ext uri="{FF2B5EF4-FFF2-40B4-BE49-F238E27FC236}">
+                <a16:creationId xmlns:a16="http://schemas.microsoft.com/office/drawing/2014/main" id="{F02623FC-E345-44ED-B3D4-94DC17509445}"/>
+              </a:ext>
+            </a:extLst>
+          </p:cNvPr>
+          <p:cNvSpPr txBox="1"/>
+          <p:nvPr/>
+        </p:nvSpPr>
+        <p:spPr>
+          <a:xfrm>
+            <a:off x="1981200" y="3962400"/>
+            <a:ext cx="4572000" cy="1661417"/>
+          </a:xfrm>
+          <a:prstGeom prst="rect">
+            <a:avLst/>
+          </a:prstGeom>
+          <a:noFill/>
+        </p:spPr>
+        <p:txBody>
+          <a:bodyPr wrap="square">
+            <a:spAutoFit/>
+          </a:bodyPr>
+          <a:lstStyle/>
+          <a:p>
+            <a:pPr marL="685800" marR="0">
+              <a:lnSpc>
+                <a:spcPct val="107000"/>
+              </a:lnSpc>
+              <a:spcBef>
+                <a:spcPts val="0"/>
+              </a:spcBef>
+              <a:spcAft>
+                <a:spcPts val="800"/>
+              </a:spcAft>
+            </a:pPr>
+            <a:r>
+              <a:rPr lang="en-US" sz="1600" dirty="0">
+                <a:effectLst/>
+                <a:latin typeface="Calibri" panose="020F0502020204030204" pitchFamily="34" charset="0"/>
+                <a:ea typeface="Calibri" panose="020F0502020204030204" pitchFamily="34" charset="0"/>
+                <a:cs typeface="Times New Roman" panose="02020603050405020304" pitchFamily="18" charset="0"/>
+              </a:rPr>
+              <a:t>So, this is the reason that broadcast packets did not select wi-fi adapter perhaps in order to solve this we either disable these interfaces (if it’s safe network operation wise) or change the metric on each one via GUI or CLI command</a:t>
+            </a:r>
+          </a:p>
+        </p:txBody>
+      </p:sp>
+    </p:spTree>
+    <p:extLst>
+      <p:ext uri="{BB962C8B-B14F-4D97-AF65-F5344CB8AC3E}">
+        <p14:creationId xmlns:p14="http://schemas.microsoft.com/office/powerpoint/2010/main" val="3184793793"/>
+      </p:ext>
+    </p:extLst>
+  </p:cSld>
+  <p:clrMapOvr>
+    <a:masterClrMapping/>
+  </p:clrMapOvr>
+</p:sld>
+</file>
+
+<file path=ppt/slides/slide14.xml><?xml version="1.0" encoding="utf-8"?>
+<p:sld xmlns:a="http://schemas.openxmlformats.org/drawingml/2006/main" xmlns:r="http://schemas.openxmlformats.org/officeDocument/2006/relationships" xmlns:p="http://schemas.openxmlformats.org/presentationml/2006/main" showMasterPhAnim="0">
+  <p:cSld>
+    <p:spTree>
+      <p:nvGrpSpPr>
+        <p:cNvPr id="1" name=""/>
+        <p:cNvGrpSpPr/>
+        <p:nvPr/>
+      </p:nvGrpSpPr>
+      <p:grpSpPr>
+        <a:xfrm>
+          <a:off x="0" y="0"/>
+          <a:ext cx="0" cy="0"/>
+          <a:chOff x="0" y="0"/>
+          <a:chExt cx="0" cy="0"/>
+        </a:xfrm>
+      </p:grpSpPr>
+      <p:sp>
+        <p:nvSpPr>
+          <p:cNvPr id="106518" name="Rectangle 22">
+            <a:extLst>
+              <a:ext uri="{FF2B5EF4-FFF2-40B4-BE49-F238E27FC236}">
+                <a16:creationId xmlns:a16="http://schemas.microsoft.com/office/drawing/2014/main" id="{F5A29FC8-8C4B-45E5-94D1-7D28B3C04B66}"/>
+              </a:ext>
+            </a:extLst>
+          </p:cNvPr>
+          <p:cNvSpPr>
+            <a:spLocks noGrp="1" noChangeArrowheads="1"/>
+          </p:cNvSpPr>
+          <p:nvPr>
+            <p:ph type="title"/>
+          </p:nvPr>
+        </p:nvSpPr>
+        <p:spPr/>
+        <p:txBody>
+          <a:bodyPr/>
+          <a:lstStyle/>
+          <a:p>
+            <a:r>
+              <a:rPr lang="en-US" altLang="en-US" dirty="0"/>
+              <a:t>Use cases  scenario 1</a:t>
+            </a:r>
+          </a:p>
+        </p:txBody>
+      </p:sp>
+      <p:pic>
+        <p:nvPicPr>
+          <p:cNvPr id="6" name="Picture 5">
+            <a:extLst>
+              <a:ext uri="{FF2B5EF4-FFF2-40B4-BE49-F238E27FC236}">
+                <a16:creationId xmlns:a16="http://schemas.microsoft.com/office/drawing/2014/main" id="{2FBCD9C1-0F1C-498C-8153-41AF6E6D404A}"/>
+              </a:ext>
+            </a:extLst>
+          </p:cNvPr>
+          <p:cNvPicPr>
+            <a:picLocks noChangeAspect="1"/>
+          </p:cNvPicPr>
+          <p:nvPr/>
+        </p:nvPicPr>
+        <p:blipFill>
+          <a:blip r:embed="rId2"/>
+          <a:stretch>
+            <a:fillRect/>
+          </a:stretch>
+        </p:blipFill>
+        <p:spPr>
+          <a:xfrm>
+            <a:off x="1600200" y="1236979"/>
+            <a:ext cx="5943600" cy="3662045"/>
+          </a:xfrm>
+          <a:prstGeom prst="rect">
+            <a:avLst/>
+          </a:prstGeom>
+        </p:spPr>
+      </p:pic>
+      <p:sp>
+        <p:nvSpPr>
+          <p:cNvPr id="8" name="TextBox 7">
+            <a:extLst>
+              <a:ext uri="{FF2B5EF4-FFF2-40B4-BE49-F238E27FC236}">
+                <a16:creationId xmlns:a16="http://schemas.microsoft.com/office/drawing/2014/main" id="{DD0CC143-B310-4122-942F-C85EB09F15C8}"/>
+              </a:ext>
+            </a:extLst>
+          </p:cNvPr>
+          <p:cNvSpPr txBox="1"/>
+          <p:nvPr/>
+        </p:nvSpPr>
+        <p:spPr>
+          <a:xfrm>
+            <a:off x="2286000" y="5181600"/>
+            <a:ext cx="4572000" cy="369332"/>
+          </a:xfrm>
+          <a:prstGeom prst="rect">
+            <a:avLst/>
+          </a:prstGeom>
+          <a:noFill/>
+        </p:spPr>
+        <p:txBody>
+          <a:bodyPr wrap="square">
+            <a:spAutoFit/>
+          </a:bodyPr>
+          <a:lstStyle/>
+          <a:p>
+            <a:r>
+              <a:rPr lang="en-US" sz="1800" dirty="0">
+                <a:effectLst/>
+                <a:latin typeface="Calibri" panose="020F0502020204030204" pitchFamily="34" charset="0"/>
+                <a:ea typeface="Calibri" panose="020F0502020204030204" pitchFamily="34" charset="0"/>
+                <a:cs typeface="Times New Roman" panose="02020603050405020304" pitchFamily="18" charset="0"/>
+              </a:rPr>
+              <a:t>GUI approach to change interface metrics</a:t>
+            </a:r>
+            <a:endParaRPr lang="en-US" dirty="0"/>
+          </a:p>
+        </p:txBody>
+      </p:sp>
+    </p:spTree>
+    <p:extLst>
+      <p:ext uri="{BB962C8B-B14F-4D97-AF65-F5344CB8AC3E}">
+        <p14:creationId xmlns:p14="http://schemas.microsoft.com/office/powerpoint/2010/main" val="1913029507"/>
+      </p:ext>
+    </p:extLst>
+  </p:cSld>
+  <p:clrMapOvr>
+    <a:masterClrMapping/>
+  </p:clrMapOvr>
+</p:sld>
+</file>
+
+<file path=ppt/slides/slide15.xml><?xml version="1.0" encoding="utf-8"?>
+<p:sld xmlns:a="http://schemas.openxmlformats.org/drawingml/2006/main" xmlns:r="http://schemas.openxmlformats.org/officeDocument/2006/relationships" xmlns:p="http://schemas.openxmlformats.org/presentationml/2006/main" showMasterPhAnim="0">
+  <p:cSld>
+    <p:spTree>
+      <p:nvGrpSpPr>
+        <p:cNvPr id="1" name=""/>
+        <p:cNvGrpSpPr/>
+        <p:nvPr/>
+      </p:nvGrpSpPr>
+      <p:grpSpPr>
+        <a:xfrm>
+          <a:off x="0" y="0"/>
+          <a:ext cx="0" cy="0"/>
+          <a:chOff x="0" y="0"/>
+          <a:chExt cx="0" cy="0"/>
+        </a:xfrm>
+      </p:grpSpPr>
+      <p:sp>
+        <p:nvSpPr>
+          <p:cNvPr id="106518" name="Rectangle 22">
+            <a:extLst>
+              <a:ext uri="{FF2B5EF4-FFF2-40B4-BE49-F238E27FC236}">
+                <a16:creationId xmlns:a16="http://schemas.microsoft.com/office/drawing/2014/main" id="{F5A29FC8-8C4B-45E5-94D1-7D28B3C04B66}"/>
+              </a:ext>
+            </a:extLst>
+          </p:cNvPr>
+          <p:cNvSpPr>
+            <a:spLocks noGrp="1" noChangeArrowheads="1"/>
+          </p:cNvSpPr>
+          <p:nvPr>
+            <p:ph type="title"/>
+          </p:nvPr>
+        </p:nvSpPr>
+        <p:spPr/>
+        <p:txBody>
+          <a:bodyPr/>
+          <a:lstStyle/>
+          <a:p>
+            <a:r>
+              <a:rPr lang="en-US" altLang="en-US" dirty="0"/>
+              <a:t>Use cases  scenario 2</a:t>
+            </a:r>
+          </a:p>
+        </p:txBody>
+      </p:sp>
+      <p:pic>
+        <p:nvPicPr>
+          <p:cNvPr id="5" name="Picture 4">
+            <a:extLst>
+              <a:ext uri="{FF2B5EF4-FFF2-40B4-BE49-F238E27FC236}">
+                <a16:creationId xmlns:a16="http://schemas.microsoft.com/office/drawing/2014/main" id="{E1BE08E5-F79B-4B3D-993D-D6DDADCF1A13}"/>
+              </a:ext>
+            </a:extLst>
+          </p:cNvPr>
+          <p:cNvPicPr>
+            <a:picLocks noChangeAspect="1"/>
+          </p:cNvPicPr>
+          <p:nvPr/>
+        </p:nvPicPr>
+        <p:blipFill>
+          <a:blip r:embed="rId2"/>
+          <a:stretch>
+            <a:fillRect/>
+          </a:stretch>
+        </p:blipFill>
+        <p:spPr>
+          <a:xfrm>
+            <a:off x="983750" y="2157412"/>
+            <a:ext cx="7176500" cy="3024188"/>
+          </a:xfrm>
+          <a:prstGeom prst="rect">
+            <a:avLst/>
+          </a:prstGeom>
+        </p:spPr>
+      </p:pic>
+      <p:sp>
+        <p:nvSpPr>
+          <p:cNvPr id="6" name="Rectangle 5">
+            <a:extLst>
+              <a:ext uri="{FF2B5EF4-FFF2-40B4-BE49-F238E27FC236}">
+                <a16:creationId xmlns:a16="http://schemas.microsoft.com/office/drawing/2014/main" id="{A3104063-1FE2-4C14-A051-C1B3D8E9AE45}"/>
+              </a:ext>
+            </a:extLst>
+          </p:cNvPr>
+          <p:cNvSpPr/>
+          <p:nvPr/>
+        </p:nvSpPr>
+        <p:spPr>
+          <a:xfrm>
+            <a:off x="835080" y="1518592"/>
+            <a:ext cx="7298666" cy="461665"/>
+          </a:xfrm>
+          <a:prstGeom prst="rect">
+            <a:avLst/>
+          </a:prstGeom>
+          <a:noFill/>
+        </p:spPr>
+        <p:txBody>
+          <a:bodyPr wrap="none" lIns="91440" tIns="45720" rIns="91440" bIns="45720">
+            <a:spAutoFit/>
+          </a:bodyPr>
+          <a:lstStyle/>
+          <a:p>
+            <a:pPr algn="ctr"/>
+            <a:r>
+              <a:rPr lang="en-US" sz="2400" dirty="0">
+                <a:ln w="0"/>
+                <a:effectLst>
+                  <a:outerShdw blurRad="38100" dist="19050" dir="2700000" algn="tl" rotWithShape="0">
+                    <a:schemeClr val="dk1">
+                      <a:alpha val="40000"/>
+                    </a:schemeClr>
+                  </a:outerShdw>
+                </a:effectLst>
+              </a:rPr>
+              <a:t>A network where DHCP process had DO without RA</a:t>
+            </a:r>
+          </a:p>
+        </p:txBody>
+      </p:sp>
+    </p:spTree>
+    <p:extLst>
+      <p:ext uri="{BB962C8B-B14F-4D97-AF65-F5344CB8AC3E}">
+        <p14:creationId xmlns:p14="http://schemas.microsoft.com/office/powerpoint/2010/main" val="3566231004"/>
+      </p:ext>
+    </p:extLst>
+  </p:cSld>
+  <p:clrMapOvr>
+    <a:masterClrMapping/>
+  </p:clrMapOvr>
+</p:sld>
+</file>
+
+<file path=ppt/slides/slide16.xml><?xml version="1.0" encoding="utf-8"?>
+<p:sld xmlns:a="http://schemas.openxmlformats.org/drawingml/2006/main" xmlns:r="http://schemas.openxmlformats.org/officeDocument/2006/relationships" xmlns:p="http://schemas.openxmlformats.org/presentationml/2006/main" showMasterPhAnim="0">
+  <p:cSld>
+    <p:spTree>
+      <p:nvGrpSpPr>
+        <p:cNvPr id="1" name=""/>
+        <p:cNvGrpSpPr/>
+        <p:nvPr/>
+      </p:nvGrpSpPr>
+      <p:grpSpPr>
+        <a:xfrm>
+          <a:off x="0" y="0"/>
+          <a:ext cx="0" cy="0"/>
+          <a:chOff x="0" y="0"/>
+          <a:chExt cx="0" cy="0"/>
+        </a:xfrm>
+      </p:grpSpPr>
+      <p:sp>
+        <p:nvSpPr>
+          <p:cNvPr id="106518" name="Rectangle 22">
+            <a:extLst>
+              <a:ext uri="{FF2B5EF4-FFF2-40B4-BE49-F238E27FC236}">
+                <a16:creationId xmlns:a16="http://schemas.microsoft.com/office/drawing/2014/main" id="{F5A29FC8-8C4B-45E5-94D1-7D28B3C04B66}"/>
+              </a:ext>
+            </a:extLst>
+          </p:cNvPr>
+          <p:cNvSpPr>
+            <a:spLocks noGrp="1" noChangeArrowheads="1"/>
+          </p:cNvSpPr>
+          <p:nvPr>
+            <p:ph type="title"/>
+          </p:nvPr>
+        </p:nvSpPr>
+        <p:spPr/>
+        <p:txBody>
+          <a:bodyPr/>
+          <a:lstStyle/>
+          <a:p>
+            <a:r>
+              <a:rPr lang="en-US" altLang="en-US" dirty="0"/>
               <a:t>Use cases  scenario</a:t>
             </a:r>
           </a:p>
@@ -8965,7 +10056,7 @@
 </p:sld>
 </file>
 
-<file path=ppt/slides/slide11.xml><?xml version="1.0" encoding="utf-8"?>
+<file path=ppt/slides/slide17.xml><?xml version="1.0" encoding="utf-8"?>
 <p:sld xmlns:a="http://schemas.openxmlformats.org/drawingml/2006/main" xmlns:r="http://schemas.openxmlformats.org/officeDocument/2006/relationships" xmlns:p="http://schemas.openxmlformats.org/presentationml/2006/main" showMasterPhAnim="0">
   <p:cSld>
     <p:spTree>
@@ -9114,7 +10205,7 @@
 </p:sld>
 </file>
 
-<file path=ppt/slides/slide12.xml><?xml version="1.0" encoding="utf-8"?>
+<file path=ppt/slides/slide18.xml><?xml version="1.0" encoding="utf-8"?>
 <p:sld xmlns:a="http://schemas.openxmlformats.org/drawingml/2006/main" xmlns:r="http://schemas.openxmlformats.org/officeDocument/2006/relationships" xmlns:p="http://schemas.openxmlformats.org/presentationml/2006/main" showMasterPhAnim="0">
   <p:cSld>
     <p:spTree>
@@ -9247,7 +10338,7 @@
 </p:sld>
 </file>
 
-<file path=ppt/slides/slide13.xml><?xml version="1.0" encoding="utf-8"?>
+<file path=ppt/slides/slide19.xml><?xml version="1.0" encoding="utf-8"?>
 <p:sld xmlns:a="http://schemas.openxmlformats.org/drawingml/2006/main" xmlns:r="http://schemas.openxmlformats.org/officeDocument/2006/relationships" xmlns:p="http://schemas.openxmlformats.org/presentationml/2006/main" showMasterPhAnim="0">
   <p:cSld>
     <p:spTree>
@@ -9371,893 +10462,6 @@
     <p:extLst>
       <p:ext uri="{BB962C8B-B14F-4D97-AF65-F5344CB8AC3E}">
         <p14:creationId xmlns:p14="http://schemas.microsoft.com/office/powerpoint/2010/main" val="4260834881"/>
-      </p:ext>
-    </p:extLst>
-  </p:cSld>
-  <p:clrMapOvr>
-    <a:masterClrMapping/>
-  </p:clrMapOvr>
-</p:sld>
-</file>
-
-<file path=ppt/slides/slide14.xml><?xml version="1.0" encoding="utf-8"?>
-<p:sld xmlns:a="http://schemas.openxmlformats.org/drawingml/2006/main" xmlns:r="http://schemas.openxmlformats.org/officeDocument/2006/relationships" xmlns:p="http://schemas.openxmlformats.org/presentationml/2006/main" showMasterPhAnim="0">
-  <p:cSld>
-    <p:spTree>
-      <p:nvGrpSpPr>
-        <p:cNvPr id="1" name=""/>
-        <p:cNvGrpSpPr/>
-        <p:nvPr/>
-      </p:nvGrpSpPr>
-      <p:grpSpPr>
-        <a:xfrm>
-          <a:off x="0" y="0"/>
-          <a:ext cx="0" cy="0"/>
-          <a:chOff x="0" y="0"/>
-          <a:chExt cx="0" cy="0"/>
-        </a:xfrm>
-      </p:grpSpPr>
-      <p:sp>
-        <p:nvSpPr>
-          <p:cNvPr id="106518" name="Rectangle 22">
-            <a:extLst>
-              <a:ext uri="{FF2B5EF4-FFF2-40B4-BE49-F238E27FC236}">
-                <a16:creationId xmlns:a16="http://schemas.microsoft.com/office/drawing/2014/main" id="{F5A29FC8-8C4B-45E5-94D1-7D28B3C04B66}"/>
-              </a:ext>
-            </a:extLst>
-          </p:cNvPr>
-          <p:cNvSpPr>
-            <a:spLocks noGrp="1" noChangeArrowheads="1"/>
-          </p:cNvSpPr>
-          <p:nvPr>
-            <p:ph type="title"/>
-          </p:nvPr>
-        </p:nvSpPr>
-        <p:spPr/>
-        <p:txBody>
-          <a:bodyPr/>
-          <a:lstStyle/>
-          <a:p>
-            <a:r>
-              <a:rPr lang="en-US" altLang="en-US" dirty="0"/>
-              <a:t>Use cases  scenario</a:t>
-            </a:r>
-          </a:p>
-        </p:txBody>
-      </p:sp>
-      <p:sp>
-        <p:nvSpPr>
-          <p:cNvPr id="6" name="Rectangle 5">
-            <a:extLst>
-              <a:ext uri="{FF2B5EF4-FFF2-40B4-BE49-F238E27FC236}">
-                <a16:creationId xmlns:a16="http://schemas.microsoft.com/office/drawing/2014/main" id="{A3104063-1FE2-4C14-A051-C1B3D8E9AE45}"/>
-              </a:ext>
-            </a:extLst>
-          </p:cNvPr>
-          <p:cNvSpPr/>
-          <p:nvPr/>
-        </p:nvSpPr>
-        <p:spPr>
-          <a:xfrm>
-            <a:off x="1121156" y="1518592"/>
-            <a:ext cx="6726585" cy="830997"/>
-          </a:xfrm>
-          <a:prstGeom prst="rect">
-            <a:avLst/>
-          </a:prstGeom>
-          <a:noFill/>
-        </p:spPr>
-        <p:txBody>
-          <a:bodyPr wrap="none" lIns="91440" tIns="45720" rIns="91440" bIns="45720">
-            <a:spAutoFit/>
-          </a:bodyPr>
-          <a:lstStyle/>
-          <a:p>
-            <a:pPr algn="ctr"/>
-            <a:r>
-              <a:rPr lang="en-US" sz="2400" dirty="0">
-                <a:ln w="0"/>
-                <a:effectLst>
-                  <a:outerShdw blurRad="38100" dist="19050" dir="2700000" algn="tl" rotWithShape="0">
-                    <a:schemeClr val="dk1">
-                      <a:alpha val="40000"/>
-                    </a:schemeClr>
-                  </a:outerShdw>
-                </a:effectLst>
-              </a:rPr>
-              <a:t>Sniffing traffic by following the flow of the packet</a:t>
-            </a:r>
-          </a:p>
-          <a:p>
-            <a:pPr algn="ctr"/>
-            <a:r>
-              <a:rPr lang="en-US" sz="2400" dirty="0">
-                <a:ln w="0"/>
-                <a:effectLst>
-                  <a:outerShdw blurRad="38100" dist="19050" dir="2700000" algn="tl" rotWithShape="0">
-                    <a:schemeClr val="dk1">
-                      <a:alpha val="40000"/>
-                    </a:schemeClr>
-                  </a:outerShdw>
-                </a:effectLst>
-              </a:rPr>
-              <a:t>In each segment</a:t>
-            </a:r>
-          </a:p>
-        </p:txBody>
-      </p:sp>
-      <p:sp>
-        <p:nvSpPr>
-          <p:cNvPr id="8" name="TextBox 7">
-            <a:extLst>
-              <a:ext uri="{FF2B5EF4-FFF2-40B4-BE49-F238E27FC236}">
-                <a16:creationId xmlns:a16="http://schemas.microsoft.com/office/drawing/2014/main" id="{ED302E8C-EE48-4346-B409-B810C7F0CD4C}"/>
-              </a:ext>
-            </a:extLst>
-          </p:cNvPr>
-          <p:cNvSpPr txBox="1"/>
-          <p:nvPr/>
-        </p:nvSpPr>
-        <p:spPr>
-          <a:xfrm>
-            <a:off x="2198432" y="6013231"/>
-            <a:ext cx="4572000" cy="646331"/>
-          </a:xfrm>
-          <a:prstGeom prst="rect">
-            <a:avLst/>
-          </a:prstGeom>
-          <a:noFill/>
-        </p:spPr>
-        <p:txBody>
-          <a:bodyPr wrap="square">
-            <a:spAutoFit/>
-          </a:bodyPr>
-          <a:lstStyle/>
-          <a:p>
-            <a:r>
-              <a:rPr lang="en-US" sz="1800" dirty="0">
-                <a:effectLst/>
-                <a:latin typeface="Calibri" panose="020F0502020204030204" pitchFamily="34" charset="0"/>
-                <a:ea typeface="Calibri" panose="020F0502020204030204" pitchFamily="34" charset="0"/>
-                <a:cs typeface="Times New Roman" panose="02020603050405020304" pitchFamily="18" charset="0"/>
-              </a:rPr>
-              <a:t>port forwarding the traffic and capture with Wireshark on top of WAN backhaul</a:t>
-            </a:r>
-            <a:endParaRPr lang="en-US" dirty="0"/>
-          </a:p>
-        </p:txBody>
-      </p:sp>
-      <p:pic>
-        <p:nvPicPr>
-          <p:cNvPr id="7" name="Picture 6">
-            <a:extLst>
-              <a:ext uri="{FF2B5EF4-FFF2-40B4-BE49-F238E27FC236}">
-                <a16:creationId xmlns:a16="http://schemas.microsoft.com/office/drawing/2014/main" id="{5B1D3923-F3E9-48CE-8E5F-68D7548C2EAE}"/>
-              </a:ext>
-            </a:extLst>
-          </p:cNvPr>
-          <p:cNvPicPr>
-            <a:picLocks noChangeAspect="1"/>
-          </p:cNvPicPr>
-          <p:nvPr/>
-        </p:nvPicPr>
-        <p:blipFill>
-          <a:blip r:embed="rId2"/>
-          <a:stretch>
-            <a:fillRect/>
-          </a:stretch>
-        </p:blipFill>
-        <p:spPr>
-          <a:xfrm>
-            <a:off x="761027" y="2386032"/>
-            <a:ext cx="7446810" cy="3654743"/>
-          </a:xfrm>
-          <a:prstGeom prst="rect">
-            <a:avLst/>
-          </a:prstGeom>
-        </p:spPr>
-      </p:pic>
-    </p:spTree>
-    <p:extLst>
-      <p:ext uri="{BB962C8B-B14F-4D97-AF65-F5344CB8AC3E}">
-        <p14:creationId xmlns:p14="http://schemas.microsoft.com/office/powerpoint/2010/main" val="556116276"/>
-      </p:ext>
-    </p:extLst>
-  </p:cSld>
-  <p:clrMapOvr>
-    <a:masterClrMapping/>
-  </p:clrMapOvr>
-</p:sld>
-</file>
-
-<file path=ppt/slides/slide15.xml><?xml version="1.0" encoding="utf-8"?>
-<p:sld xmlns:a="http://schemas.openxmlformats.org/drawingml/2006/main" xmlns:r="http://schemas.openxmlformats.org/officeDocument/2006/relationships" xmlns:p="http://schemas.openxmlformats.org/presentationml/2006/main" showMasterPhAnim="0">
-  <p:cSld>
-    <p:spTree>
-      <p:nvGrpSpPr>
-        <p:cNvPr id="1" name=""/>
-        <p:cNvGrpSpPr/>
-        <p:nvPr/>
-      </p:nvGrpSpPr>
-      <p:grpSpPr>
-        <a:xfrm>
-          <a:off x="0" y="0"/>
-          <a:ext cx="0" cy="0"/>
-          <a:chOff x="0" y="0"/>
-          <a:chExt cx="0" cy="0"/>
-        </a:xfrm>
-      </p:grpSpPr>
-      <p:sp>
-        <p:nvSpPr>
-          <p:cNvPr id="106518" name="Rectangle 22">
-            <a:extLst>
-              <a:ext uri="{FF2B5EF4-FFF2-40B4-BE49-F238E27FC236}">
-                <a16:creationId xmlns:a16="http://schemas.microsoft.com/office/drawing/2014/main" id="{F5A29FC8-8C4B-45E5-94D1-7D28B3C04B66}"/>
-              </a:ext>
-            </a:extLst>
-          </p:cNvPr>
-          <p:cNvSpPr>
-            <a:spLocks noGrp="1" noChangeArrowheads="1"/>
-          </p:cNvSpPr>
-          <p:nvPr>
-            <p:ph type="title"/>
-          </p:nvPr>
-        </p:nvSpPr>
-        <p:spPr/>
-        <p:txBody>
-          <a:bodyPr/>
-          <a:lstStyle/>
-          <a:p>
-            <a:r>
-              <a:rPr lang="en-US" altLang="en-US" dirty="0"/>
-              <a:t>Use cases  scenario</a:t>
-            </a:r>
-          </a:p>
-        </p:txBody>
-      </p:sp>
-      <p:sp>
-        <p:nvSpPr>
-          <p:cNvPr id="6" name="Rectangle 5">
-            <a:extLst>
-              <a:ext uri="{FF2B5EF4-FFF2-40B4-BE49-F238E27FC236}">
-                <a16:creationId xmlns:a16="http://schemas.microsoft.com/office/drawing/2014/main" id="{A3104063-1FE2-4C14-A051-C1B3D8E9AE45}"/>
-              </a:ext>
-            </a:extLst>
-          </p:cNvPr>
-          <p:cNvSpPr/>
-          <p:nvPr/>
-        </p:nvSpPr>
-        <p:spPr>
-          <a:xfrm>
-            <a:off x="1121156" y="1518592"/>
-            <a:ext cx="6726585" cy="830997"/>
-          </a:xfrm>
-          <a:prstGeom prst="rect">
-            <a:avLst/>
-          </a:prstGeom>
-          <a:noFill/>
-        </p:spPr>
-        <p:txBody>
-          <a:bodyPr wrap="none" lIns="91440" tIns="45720" rIns="91440" bIns="45720">
-            <a:spAutoFit/>
-          </a:bodyPr>
-          <a:lstStyle/>
-          <a:p>
-            <a:pPr algn="ctr"/>
-            <a:r>
-              <a:rPr lang="en-US" sz="2400" dirty="0">
-                <a:ln w="0"/>
-                <a:effectLst>
-                  <a:outerShdw blurRad="38100" dist="19050" dir="2700000" algn="tl" rotWithShape="0">
-                    <a:schemeClr val="dk1">
-                      <a:alpha val="40000"/>
-                    </a:schemeClr>
-                  </a:outerShdw>
-                </a:effectLst>
-              </a:rPr>
-              <a:t>Sniffing traffic by following the flow of the packet</a:t>
-            </a:r>
-          </a:p>
-          <a:p>
-            <a:pPr algn="ctr"/>
-            <a:r>
-              <a:rPr lang="en-US" sz="2400" dirty="0">
-                <a:ln w="0"/>
-                <a:effectLst>
-                  <a:outerShdw blurRad="38100" dist="19050" dir="2700000" algn="tl" rotWithShape="0">
-                    <a:schemeClr val="dk1">
-                      <a:alpha val="40000"/>
-                    </a:schemeClr>
-                  </a:outerShdw>
-                </a:effectLst>
-              </a:rPr>
-              <a:t>In each segment</a:t>
-            </a:r>
-          </a:p>
-        </p:txBody>
-      </p:sp>
-      <p:pic>
-        <p:nvPicPr>
-          <p:cNvPr id="9" name="Picture 8">
-            <a:extLst>
-              <a:ext uri="{FF2B5EF4-FFF2-40B4-BE49-F238E27FC236}">
-                <a16:creationId xmlns:a16="http://schemas.microsoft.com/office/drawing/2014/main" id="{0B58D65F-FE0C-49F7-A806-5BFA02BDBF94}"/>
-              </a:ext>
-            </a:extLst>
-          </p:cNvPr>
-          <p:cNvPicPr>
-            <a:picLocks noChangeAspect="1"/>
-          </p:cNvPicPr>
-          <p:nvPr/>
-        </p:nvPicPr>
-        <p:blipFill>
-          <a:blip r:embed="rId2"/>
-          <a:stretch>
-            <a:fillRect/>
-          </a:stretch>
-        </p:blipFill>
-        <p:spPr>
-          <a:xfrm>
-            <a:off x="1336603" y="2379406"/>
-            <a:ext cx="6470794" cy="3950257"/>
-          </a:xfrm>
-          <a:prstGeom prst="rect">
-            <a:avLst/>
-          </a:prstGeom>
-        </p:spPr>
-      </p:pic>
-    </p:spTree>
-    <p:extLst>
-      <p:ext uri="{BB962C8B-B14F-4D97-AF65-F5344CB8AC3E}">
-        <p14:creationId xmlns:p14="http://schemas.microsoft.com/office/powerpoint/2010/main" val="3962941615"/>
-      </p:ext>
-    </p:extLst>
-  </p:cSld>
-  <p:clrMapOvr>
-    <a:masterClrMapping/>
-  </p:clrMapOvr>
-</p:sld>
-</file>
-
-<file path=ppt/slides/slide16.xml><?xml version="1.0" encoding="utf-8"?>
-<p:sld xmlns:a="http://schemas.openxmlformats.org/drawingml/2006/main" xmlns:r="http://schemas.openxmlformats.org/officeDocument/2006/relationships" xmlns:p="http://schemas.openxmlformats.org/presentationml/2006/main" showMasterPhAnim="0">
-  <p:cSld>
-    <p:spTree>
-      <p:nvGrpSpPr>
-        <p:cNvPr id="1" name=""/>
-        <p:cNvGrpSpPr/>
-        <p:nvPr/>
-      </p:nvGrpSpPr>
-      <p:grpSpPr>
-        <a:xfrm>
-          <a:off x="0" y="0"/>
-          <a:ext cx="0" cy="0"/>
-          <a:chOff x="0" y="0"/>
-          <a:chExt cx="0" cy="0"/>
-        </a:xfrm>
-      </p:grpSpPr>
-      <p:sp>
-        <p:nvSpPr>
-          <p:cNvPr id="106518" name="Rectangle 22">
-            <a:extLst>
-              <a:ext uri="{FF2B5EF4-FFF2-40B4-BE49-F238E27FC236}">
-                <a16:creationId xmlns:a16="http://schemas.microsoft.com/office/drawing/2014/main" id="{F5A29FC8-8C4B-45E5-94D1-7D28B3C04B66}"/>
-              </a:ext>
-            </a:extLst>
-          </p:cNvPr>
-          <p:cNvSpPr>
-            <a:spLocks noGrp="1" noChangeArrowheads="1"/>
-          </p:cNvSpPr>
-          <p:nvPr>
-            <p:ph type="title"/>
-          </p:nvPr>
-        </p:nvSpPr>
-        <p:spPr/>
-        <p:txBody>
-          <a:bodyPr/>
-          <a:lstStyle/>
-          <a:p>
-            <a:r>
-              <a:rPr lang="en-US" altLang="en-US" dirty="0"/>
-              <a:t>Use cases  scenario</a:t>
-            </a:r>
-          </a:p>
-        </p:txBody>
-      </p:sp>
-      <p:sp>
-        <p:nvSpPr>
-          <p:cNvPr id="6" name="Rectangle 5">
-            <a:extLst>
-              <a:ext uri="{FF2B5EF4-FFF2-40B4-BE49-F238E27FC236}">
-                <a16:creationId xmlns:a16="http://schemas.microsoft.com/office/drawing/2014/main" id="{A3104063-1FE2-4C14-A051-C1B3D8E9AE45}"/>
-              </a:ext>
-            </a:extLst>
-          </p:cNvPr>
-          <p:cNvSpPr/>
-          <p:nvPr/>
-        </p:nvSpPr>
-        <p:spPr>
-          <a:xfrm>
-            <a:off x="1916283" y="1518592"/>
-            <a:ext cx="5136342" cy="461665"/>
-          </a:xfrm>
-          <a:prstGeom prst="rect">
-            <a:avLst/>
-          </a:prstGeom>
-          <a:noFill/>
-        </p:spPr>
-        <p:txBody>
-          <a:bodyPr wrap="none" lIns="91440" tIns="45720" rIns="91440" bIns="45720">
-            <a:spAutoFit/>
-          </a:bodyPr>
-          <a:lstStyle/>
-          <a:p>
-            <a:pPr algn="ctr"/>
-            <a:r>
-              <a:rPr lang="en-US" sz="2400" dirty="0">
-                <a:ln w="0"/>
-                <a:effectLst>
-                  <a:outerShdw blurRad="38100" dist="19050" dir="2700000" algn="tl" rotWithShape="0">
-                    <a:schemeClr val="dk1">
-                      <a:alpha val="40000"/>
-                    </a:schemeClr>
-                  </a:outerShdw>
-                </a:effectLst>
-              </a:rPr>
-              <a:t>Main Firewall debug troubleshooting</a:t>
-            </a:r>
-          </a:p>
-        </p:txBody>
-      </p:sp>
-      <p:pic>
-        <p:nvPicPr>
-          <p:cNvPr id="7" name="Picture 6">
-            <a:extLst>
-              <a:ext uri="{FF2B5EF4-FFF2-40B4-BE49-F238E27FC236}">
-                <a16:creationId xmlns:a16="http://schemas.microsoft.com/office/drawing/2014/main" id="{D9E48507-D32B-4AD9-81F6-99736E778F92}"/>
-              </a:ext>
-            </a:extLst>
-          </p:cNvPr>
-          <p:cNvPicPr>
-            <a:picLocks noChangeAspect="1"/>
-          </p:cNvPicPr>
-          <p:nvPr/>
-        </p:nvPicPr>
-        <p:blipFill>
-          <a:blip r:embed="rId2"/>
-          <a:stretch>
-            <a:fillRect/>
-          </a:stretch>
-        </p:blipFill>
-        <p:spPr>
-          <a:xfrm>
-            <a:off x="1276294" y="1980257"/>
-            <a:ext cx="6591412" cy="4487720"/>
-          </a:xfrm>
-          <a:prstGeom prst="rect">
-            <a:avLst/>
-          </a:prstGeom>
-        </p:spPr>
-      </p:pic>
-    </p:spTree>
-    <p:extLst>
-      <p:ext uri="{BB962C8B-B14F-4D97-AF65-F5344CB8AC3E}">
-        <p14:creationId xmlns:p14="http://schemas.microsoft.com/office/powerpoint/2010/main" val="2169203873"/>
-      </p:ext>
-    </p:extLst>
-  </p:cSld>
-  <p:clrMapOvr>
-    <a:masterClrMapping/>
-  </p:clrMapOvr>
-</p:sld>
-</file>
-
-<file path=ppt/slides/slide17.xml><?xml version="1.0" encoding="utf-8"?>
-<p:sld xmlns:a="http://schemas.openxmlformats.org/drawingml/2006/main" xmlns:r="http://schemas.openxmlformats.org/officeDocument/2006/relationships" xmlns:p="http://schemas.openxmlformats.org/presentationml/2006/main" showMasterPhAnim="0">
-  <p:cSld>
-    <p:spTree>
-      <p:nvGrpSpPr>
-        <p:cNvPr id="1" name=""/>
-        <p:cNvGrpSpPr/>
-        <p:nvPr/>
-      </p:nvGrpSpPr>
-      <p:grpSpPr>
-        <a:xfrm>
-          <a:off x="0" y="0"/>
-          <a:ext cx="0" cy="0"/>
-          <a:chOff x="0" y="0"/>
-          <a:chExt cx="0" cy="0"/>
-        </a:xfrm>
-      </p:grpSpPr>
-      <p:sp>
-        <p:nvSpPr>
-          <p:cNvPr id="106518" name="Rectangle 22">
-            <a:extLst>
-              <a:ext uri="{FF2B5EF4-FFF2-40B4-BE49-F238E27FC236}">
-                <a16:creationId xmlns:a16="http://schemas.microsoft.com/office/drawing/2014/main" id="{F5A29FC8-8C4B-45E5-94D1-7D28B3C04B66}"/>
-              </a:ext>
-            </a:extLst>
-          </p:cNvPr>
-          <p:cNvSpPr>
-            <a:spLocks noGrp="1" noChangeArrowheads="1"/>
-          </p:cNvSpPr>
-          <p:nvPr>
-            <p:ph type="title"/>
-          </p:nvPr>
-        </p:nvSpPr>
-        <p:spPr/>
-        <p:txBody>
-          <a:bodyPr/>
-          <a:lstStyle/>
-          <a:p>
-            <a:r>
-              <a:rPr lang="en-US" altLang="en-US" dirty="0"/>
-              <a:t>Use cases  scenario</a:t>
-            </a:r>
-          </a:p>
-        </p:txBody>
-      </p:sp>
-      <p:sp>
-        <p:nvSpPr>
-          <p:cNvPr id="6" name="Rectangle 5">
-            <a:extLst>
-              <a:ext uri="{FF2B5EF4-FFF2-40B4-BE49-F238E27FC236}">
-                <a16:creationId xmlns:a16="http://schemas.microsoft.com/office/drawing/2014/main" id="{A3104063-1FE2-4C14-A051-C1B3D8E9AE45}"/>
-              </a:ext>
-            </a:extLst>
-          </p:cNvPr>
-          <p:cNvSpPr/>
-          <p:nvPr/>
-        </p:nvSpPr>
-        <p:spPr>
-          <a:xfrm>
-            <a:off x="1638557" y="1518592"/>
-            <a:ext cx="5691815" cy="461665"/>
-          </a:xfrm>
-          <a:prstGeom prst="rect">
-            <a:avLst/>
-          </a:prstGeom>
-          <a:noFill/>
-        </p:spPr>
-        <p:txBody>
-          <a:bodyPr wrap="none" lIns="91440" tIns="45720" rIns="91440" bIns="45720">
-            <a:spAutoFit/>
-          </a:bodyPr>
-          <a:lstStyle/>
-          <a:p>
-            <a:pPr algn="ctr"/>
-            <a:r>
-              <a:rPr lang="en-US" sz="2400" dirty="0">
-                <a:ln w="0"/>
-                <a:effectLst>
-                  <a:outerShdw blurRad="38100" dist="19050" dir="2700000" algn="tl" rotWithShape="0">
-                    <a:schemeClr val="dk1">
-                      <a:alpha val="40000"/>
-                    </a:schemeClr>
-                  </a:outerShdw>
-                </a:effectLst>
-              </a:rPr>
-              <a:t>Firewall can reach DHCP server thought</a:t>
-            </a:r>
-          </a:p>
-        </p:txBody>
-      </p:sp>
-      <p:pic>
-        <p:nvPicPr>
-          <p:cNvPr id="5" name="Picture 4">
-            <a:extLst>
-              <a:ext uri="{FF2B5EF4-FFF2-40B4-BE49-F238E27FC236}">
-                <a16:creationId xmlns:a16="http://schemas.microsoft.com/office/drawing/2014/main" id="{DD9D2865-C73E-4FED-9352-AC930956E35C}"/>
-              </a:ext>
-            </a:extLst>
-          </p:cNvPr>
-          <p:cNvPicPr>
-            <a:picLocks noChangeAspect="1"/>
-          </p:cNvPicPr>
-          <p:nvPr/>
-        </p:nvPicPr>
-        <p:blipFill>
-          <a:blip r:embed="rId2"/>
-          <a:stretch>
-            <a:fillRect/>
-          </a:stretch>
-        </p:blipFill>
-        <p:spPr>
-          <a:xfrm>
-            <a:off x="1606321" y="2017238"/>
-            <a:ext cx="5931358" cy="4476322"/>
-          </a:xfrm>
-          <a:prstGeom prst="rect">
-            <a:avLst/>
-          </a:prstGeom>
-        </p:spPr>
-      </p:pic>
-    </p:spTree>
-    <p:extLst>
-      <p:ext uri="{BB962C8B-B14F-4D97-AF65-F5344CB8AC3E}">
-        <p14:creationId xmlns:p14="http://schemas.microsoft.com/office/powerpoint/2010/main" val="3117492299"/>
-      </p:ext>
-    </p:extLst>
-  </p:cSld>
-  <p:clrMapOvr>
-    <a:masterClrMapping/>
-  </p:clrMapOvr>
-</p:sld>
-</file>
-
-<file path=ppt/slides/slide18.xml><?xml version="1.0" encoding="utf-8"?>
-<p:sld xmlns:a="http://schemas.openxmlformats.org/drawingml/2006/main" xmlns:r="http://schemas.openxmlformats.org/officeDocument/2006/relationships" xmlns:p="http://schemas.openxmlformats.org/presentationml/2006/main" showMasterPhAnim="0">
-  <p:cSld>
-    <p:spTree>
-      <p:nvGrpSpPr>
-        <p:cNvPr id="1" name=""/>
-        <p:cNvGrpSpPr/>
-        <p:nvPr/>
-      </p:nvGrpSpPr>
-      <p:grpSpPr>
-        <a:xfrm>
-          <a:off x="0" y="0"/>
-          <a:ext cx="0" cy="0"/>
-          <a:chOff x="0" y="0"/>
-          <a:chExt cx="0" cy="0"/>
-        </a:xfrm>
-      </p:grpSpPr>
-      <p:sp>
-        <p:nvSpPr>
-          <p:cNvPr id="106518" name="Rectangle 22">
-            <a:extLst>
-              <a:ext uri="{FF2B5EF4-FFF2-40B4-BE49-F238E27FC236}">
-                <a16:creationId xmlns:a16="http://schemas.microsoft.com/office/drawing/2014/main" id="{F5A29FC8-8C4B-45E5-94D1-7D28B3C04B66}"/>
-              </a:ext>
-            </a:extLst>
-          </p:cNvPr>
-          <p:cNvSpPr>
-            <a:spLocks noGrp="1" noChangeArrowheads="1"/>
-          </p:cNvSpPr>
-          <p:nvPr>
-            <p:ph type="title"/>
-          </p:nvPr>
-        </p:nvSpPr>
-        <p:spPr/>
-        <p:txBody>
-          <a:bodyPr/>
-          <a:lstStyle/>
-          <a:p>
-            <a:r>
-              <a:rPr lang="en-US" altLang="en-US" dirty="0"/>
-              <a:t>Use cases  scenario</a:t>
-            </a:r>
-          </a:p>
-        </p:txBody>
-      </p:sp>
-      <p:sp>
-        <p:nvSpPr>
-          <p:cNvPr id="6" name="Rectangle 5">
-            <a:extLst>
-              <a:ext uri="{FF2B5EF4-FFF2-40B4-BE49-F238E27FC236}">
-                <a16:creationId xmlns:a16="http://schemas.microsoft.com/office/drawing/2014/main" id="{A3104063-1FE2-4C14-A051-C1B3D8E9AE45}"/>
-              </a:ext>
-            </a:extLst>
-          </p:cNvPr>
-          <p:cNvSpPr/>
-          <p:nvPr/>
-        </p:nvSpPr>
-        <p:spPr>
-          <a:xfrm>
-            <a:off x="1434187" y="1518592"/>
-            <a:ext cx="6100581" cy="830997"/>
-          </a:xfrm>
-          <a:prstGeom prst="rect">
-            <a:avLst/>
-          </a:prstGeom>
-          <a:noFill/>
-        </p:spPr>
-        <p:txBody>
-          <a:bodyPr wrap="none" lIns="91440" tIns="45720" rIns="91440" bIns="45720">
-            <a:spAutoFit/>
-          </a:bodyPr>
-          <a:lstStyle/>
-          <a:p>
-            <a:pPr algn="ctr"/>
-            <a:r>
-              <a:rPr lang="en-US" sz="2400" dirty="0">
-                <a:ln w="0"/>
-                <a:effectLst>
-                  <a:outerShdw blurRad="38100" dist="19050" dir="2700000" algn="tl" rotWithShape="0">
-                    <a:schemeClr val="dk1">
-                      <a:alpha val="40000"/>
-                    </a:schemeClr>
-                  </a:outerShdw>
-                </a:effectLst>
-              </a:rPr>
-              <a:t>Misconfiguration of IP despite that was legit</a:t>
-            </a:r>
-          </a:p>
-          <a:p>
-            <a:pPr algn="ctr"/>
-            <a:r>
-              <a:rPr lang="en-US" sz="2400" dirty="0">
-                <a:ln w="0"/>
-                <a:effectLst>
-                  <a:outerShdw blurRad="38100" dist="19050" dir="2700000" algn="tl" rotWithShape="0">
-                    <a:schemeClr val="dk1">
-                      <a:alpha val="40000"/>
-                    </a:schemeClr>
-                  </a:outerShdw>
-                </a:effectLst>
-              </a:rPr>
-              <a:t>(It could be reached)</a:t>
-            </a:r>
-          </a:p>
-        </p:txBody>
-      </p:sp>
-      <p:pic>
-        <p:nvPicPr>
-          <p:cNvPr id="7" name="Picture 6">
-            <a:extLst>
-              <a:ext uri="{FF2B5EF4-FFF2-40B4-BE49-F238E27FC236}">
-                <a16:creationId xmlns:a16="http://schemas.microsoft.com/office/drawing/2014/main" id="{56D415E3-BE99-4FFF-8D10-8F3D2E305D3B}"/>
-              </a:ext>
-            </a:extLst>
-          </p:cNvPr>
-          <p:cNvPicPr>
-            <a:picLocks noChangeAspect="1"/>
-          </p:cNvPicPr>
-          <p:nvPr/>
-        </p:nvPicPr>
-        <p:blipFill>
-          <a:blip r:embed="rId2"/>
-          <a:stretch>
-            <a:fillRect/>
-          </a:stretch>
-        </p:blipFill>
-        <p:spPr>
-          <a:xfrm>
-            <a:off x="990600" y="2295362"/>
-            <a:ext cx="6788882" cy="4061724"/>
-          </a:xfrm>
-          <a:prstGeom prst="rect">
-            <a:avLst/>
-          </a:prstGeom>
-        </p:spPr>
-      </p:pic>
-    </p:spTree>
-    <p:extLst>
-      <p:ext uri="{BB962C8B-B14F-4D97-AF65-F5344CB8AC3E}">
-        <p14:creationId xmlns:p14="http://schemas.microsoft.com/office/powerpoint/2010/main" val="3735271105"/>
-      </p:ext>
-    </p:extLst>
-  </p:cSld>
-  <p:clrMapOvr>
-    <a:masterClrMapping/>
-  </p:clrMapOvr>
-</p:sld>
-</file>
-
-<file path=ppt/slides/slide19.xml><?xml version="1.0" encoding="utf-8"?>
-<p:sld xmlns:a="http://schemas.openxmlformats.org/drawingml/2006/main" xmlns:r="http://schemas.openxmlformats.org/officeDocument/2006/relationships" xmlns:p="http://schemas.openxmlformats.org/presentationml/2006/main" showMasterPhAnim="0">
-  <p:cSld>
-    <p:spTree>
-      <p:nvGrpSpPr>
-        <p:cNvPr id="1" name=""/>
-        <p:cNvGrpSpPr/>
-        <p:nvPr/>
-      </p:nvGrpSpPr>
-      <p:grpSpPr>
-        <a:xfrm>
-          <a:off x="0" y="0"/>
-          <a:ext cx="0" cy="0"/>
-          <a:chOff x="0" y="0"/>
-          <a:chExt cx="0" cy="0"/>
-        </a:xfrm>
-      </p:grpSpPr>
-      <p:sp>
-        <p:nvSpPr>
-          <p:cNvPr id="106518" name="Rectangle 22">
-            <a:extLst>
-              <a:ext uri="{FF2B5EF4-FFF2-40B4-BE49-F238E27FC236}">
-                <a16:creationId xmlns:a16="http://schemas.microsoft.com/office/drawing/2014/main" id="{F5A29FC8-8C4B-45E5-94D1-7D28B3C04B66}"/>
-              </a:ext>
-            </a:extLst>
-          </p:cNvPr>
-          <p:cNvSpPr>
-            <a:spLocks noGrp="1" noChangeArrowheads="1"/>
-          </p:cNvSpPr>
-          <p:nvPr>
-            <p:ph type="title"/>
-          </p:nvPr>
-        </p:nvSpPr>
-        <p:spPr/>
-        <p:txBody>
-          <a:bodyPr/>
-          <a:lstStyle/>
-          <a:p>
-            <a:r>
-              <a:rPr lang="en-US" altLang="en-US" dirty="0"/>
-              <a:t>Use cases  scenario</a:t>
-            </a:r>
-          </a:p>
-        </p:txBody>
-      </p:sp>
-      <p:sp>
-        <p:nvSpPr>
-          <p:cNvPr id="6" name="Rectangle 5">
-            <a:extLst>
-              <a:ext uri="{FF2B5EF4-FFF2-40B4-BE49-F238E27FC236}">
-                <a16:creationId xmlns:a16="http://schemas.microsoft.com/office/drawing/2014/main" id="{A3104063-1FE2-4C14-A051-C1B3D8E9AE45}"/>
-              </a:ext>
-            </a:extLst>
-          </p:cNvPr>
-          <p:cNvSpPr/>
-          <p:nvPr/>
-        </p:nvSpPr>
-        <p:spPr>
-          <a:xfrm>
-            <a:off x="3168735" y="1518592"/>
-            <a:ext cx="2631491" cy="461665"/>
-          </a:xfrm>
-          <a:prstGeom prst="rect">
-            <a:avLst/>
-          </a:prstGeom>
-          <a:noFill/>
-        </p:spPr>
-        <p:txBody>
-          <a:bodyPr wrap="none" lIns="91440" tIns="45720" rIns="91440" bIns="45720">
-            <a:spAutoFit/>
-          </a:bodyPr>
-          <a:lstStyle/>
-          <a:p>
-            <a:pPr algn="ctr"/>
-            <a:r>
-              <a:rPr lang="en-US" sz="2400" dirty="0">
-                <a:ln w="0"/>
-                <a:effectLst>
-                  <a:outerShdw blurRad="38100" dist="19050" dir="2700000" algn="tl" rotWithShape="0">
-                    <a:schemeClr val="dk1">
-                      <a:alpha val="40000"/>
-                    </a:schemeClr>
-                  </a:outerShdw>
-                </a:effectLst>
-              </a:rPr>
-              <a:t>DORA SUCCESS</a:t>
-            </a:r>
-          </a:p>
-        </p:txBody>
-      </p:sp>
-      <p:pic>
-        <p:nvPicPr>
-          <p:cNvPr id="5" name="Picture 4">
-            <a:extLst>
-              <a:ext uri="{FF2B5EF4-FFF2-40B4-BE49-F238E27FC236}">
-                <a16:creationId xmlns:a16="http://schemas.microsoft.com/office/drawing/2014/main" id="{7D0F5C93-B7DB-48EE-A28B-0807F139F873}"/>
-              </a:ext>
-            </a:extLst>
-          </p:cNvPr>
-          <p:cNvPicPr>
-            <a:picLocks noChangeAspect="1"/>
-          </p:cNvPicPr>
-          <p:nvPr/>
-        </p:nvPicPr>
-        <p:blipFill>
-          <a:blip r:embed="rId2"/>
-          <a:stretch>
-            <a:fillRect/>
-          </a:stretch>
-        </p:blipFill>
-        <p:spPr>
-          <a:xfrm>
-            <a:off x="903288" y="1990196"/>
-            <a:ext cx="7101150" cy="4326694"/>
-          </a:xfrm>
-          <a:prstGeom prst="rect">
-            <a:avLst/>
-          </a:prstGeom>
-        </p:spPr>
-      </p:pic>
-    </p:spTree>
-    <p:extLst>
-      <p:ext uri="{BB962C8B-B14F-4D97-AF65-F5344CB8AC3E}">
-        <p14:creationId xmlns:p14="http://schemas.microsoft.com/office/powerpoint/2010/main" val="886251051"/>
       </p:ext>
     </p:extLst>
   </p:cSld>
@@ -12758,6 +12962,893 @@
         </p:nvSpPr>
         <p:spPr>
           <a:xfrm>
+            <a:off x="1121156" y="1518592"/>
+            <a:ext cx="6726585" cy="830997"/>
+          </a:xfrm>
+          <a:prstGeom prst="rect">
+            <a:avLst/>
+          </a:prstGeom>
+          <a:noFill/>
+        </p:spPr>
+        <p:txBody>
+          <a:bodyPr wrap="none" lIns="91440" tIns="45720" rIns="91440" bIns="45720">
+            <a:spAutoFit/>
+          </a:bodyPr>
+          <a:lstStyle/>
+          <a:p>
+            <a:pPr algn="ctr"/>
+            <a:r>
+              <a:rPr lang="en-US" sz="2400" dirty="0">
+                <a:ln w="0"/>
+                <a:effectLst>
+                  <a:outerShdw blurRad="38100" dist="19050" dir="2700000" algn="tl" rotWithShape="0">
+                    <a:schemeClr val="dk1">
+                      <a:alpha val="40000"/>
+                    </a:schemeClr>
+                  </a:outerShdw>
+                </a:effectLst>
+              </a:rPr>
+              <a:t>Sniffing traffic by following the flow of the packet</a:t>
+            </a:r>
+          </a:p>
+          <a:p>
+            <a:pPr algn="ctr"/>
+            <a:r>
+              <a:rPr lang="en-US" sz="2400" dirty="0">
+                <a:ln w="0"/>
+                <a:effectLst>
+                  <a:outerShdw blurRad="38100" dist="19050" dir="2700000" algn="tl" rotWithShape="0">
+                    <a:schemeClr val="dk1">
+                      <a:alpha val="40000"/>
+                    </a:schemeClr>
+                  </a:outerShdw>
+                </a:effectLst>
+              </a:rPr>
+              <a:t>In each segment</a:t>
+            </a:r>
+          </a:p>
+        </p:txBody>
+      </p:sp>
+      <p:sp>
+        <p:nvSpPr>
+          <p:cNvPr id="8" name="TextBox 7">
+            <a:extLst>
+              <a:ext uri="{FF2B5EF4-FFF2-40B4-BE49-F238E27FC236}">
+                <a16:creationId xmlns:a16="http://schemas.microsoft.com/office/drawing/2014/main" id="{ED302E8C-EE48-4346-B409-B810C7F0CD4C}"/>
+              </a:ext>
+            </a:extLst>
+          </p:cNvPr>
+          <p:cNvSpPr txBox="1"/>
+          <p:nvPr/>
+        </p:nvSpPr>
+        <p:spPr>
+          <a:xfrm>
+            <a:off x="2198432" y="6013231"/>
+            <a:ext cx="4572000" cy="646331"/>
+          </a:xfrm>
+          <a:prstGeom prst="rect">
+            <a:avLst/>
+          </a:prstGeom>
+          <a:noFill/>
+        </p:spPr>
+        <p:txBody>
+          <a:bodyPr wrap="square">
+            <a:spAutoFit/>
+          </a:bodyPr>
+          <a:lstStyle/>
+          <a:p>
+            <a:r>
+              <a:rPr lang="en-US" sz="1800" dirty="0">
+                <a:effectLst/>
+                <a:latin typeface="Calibri" panose="020F0502020204030204" pitchFamily="34" charset="0"/>
+                <a:ea typeface="Calibri" panose="020F0502020204030204" pitchFamily="34" charset="0"/>
+                <a:cs typeface="Times New Roman" panose="02020603050405020304" pitchFamily="18" charset="0"/>
+              </a:rPr>
+              <a:t>port forwarding the traffic and capture with Wireshark on top of WAN backhaul</a:t>
+            </a:r>
+            <a:endParaRPr lang="en-US" dirty="0"/>
+          </a:p>
+        </p:txBody>
+      </p:sp>
+      <p:pic>
+        <p:nvPicPr>
+          <p:cNvPr id="7" name="Picture 6">
+            <a:extLst>
+              <a:ext uri="{FF2B5EF4-FFF2-40B4-BE49-F238E27FC236}">
+                <a16:creationId xmlns:a16="http://schemas.microsoft.com/office/drawing/2014/main" id="{5B1D3923-F3E9-48CE-8E5F-68D7548C2EAE}"/>
+              </a:ext>
+            </a:extLst>
+          </p:cNvPr>
+          <p:cNvPicPr>
+            <a:picLocks noChangeAspect="1"/>
+          </p:cNvPicPr>
+          <p:nvPr/>
+        </p:nvPicPr>
+        <p:blipFill>
+          <a:blip r:embed="rId2"/>
+          <a:stretch>
+            <a:fillRect/>
+          </a:stretch>
+        </p:blipFill>
+        <p:spPr>
+          <a:xfrm>
+            <a:off x="761027" y="2386032"/>
+            <a:ext cx="7446810" cy="3654743"/>
+          </a:xfrm>
+          <a:prstGeom prst="rect">
+            <a:avLst/>
+          </a:prstGeom>
+        </p:spPr>
+      </p:pic>
+    </p:spTree>
+    <p:extLst>
+      <p:ext uri="{BB962C8B-B14F-4D97-AF65-F5344CB8AC3E}">
+        <p14:creationId xmlns:p14="http://schemas.microsoft.com/office/powerpoint/2010/main" val="556116276"/>
+      </p:ext>
+    </p:extLst>
+  </p:cSld>
+  <p:clrMapOvr>
+    <a:masterClrMapping/>
+  </p:clrMapOvr>
+</p:sld>
+</file>
+
+<file path=ppt/slides/slide21.xml><?xml version="1.0" encoding="utf-8"?>
+<p:sld xmlns:a="http://schemas.openxmlformats.org/drawingml/2006/main" xmlns:r="http://schemas.openxmlformats.org/officeDocument/2006/relationships" xmlns:p="http://schemas.openxmlformats.org/presentationml/2006/main" showMasterPhAnim="0">
+  <p:cSld>
+    <p:spTree>
+      <p:nvGrpSpPr>
+        <p:cNvPr id="1" name=""/>
+        <p:cNvGrpSpPr/>
+        <p:nvPr/>
+      </p:nvGrpSpPr>
+      <p:grpSpPr>
+        <a:xfrm>
+          <a:off x="0" y="0"/>
+          <a:ext cx="0" cy="0"/>
+          <a:chOff x="0" y="0"/>
+          <a:chExt cx="0" cy="0"/>
+        </a:xfrm>
+      </p:grpSpPr>
+      <p:sp>
+        <p:nvSpPr>
+          <p:cNvPr id="106518" name="Rectangle 22">
+            <a:extLst>
+              <a:ext uri="{FF2B5EF4-FFF2-40B4-BE49-F238E27FC236}">
+                <a16:creationId xmlns:a16="http://schemas.microsoft.com/office/drawing/2014/main" id="{F5A29FC8-8C4B-45E5-94D1-7D28B3C04B66}"/>
+              </a:ext>
+            </a:extLst>
+          </p:cNvPr>
+          <p:cNvSpPr>
+            <a:spLocks noGrp="1" noChangeArrowheads="1"/>
+          </p:cNvSpPr>
+          <p:nvPr>
+            <p:ph type="title"/>
+          </p:nvPr>
+        </p:nvSpPr>
+        <p:spPr/>
+        <p:txBody>
+          <a:bodyPr/>
+          <a:lstStyle/>
+          <a:p>
+            <a:r>
+              <a:rPr lang="en-US" altLang="en-US" dirty="0"/>
+              <a:t>Use cases  scenario</a:t>
+            </a:r>
+          </a:p>
+        </p:txBody>
+      </p:sp>
+      <p:sp>
+        <p:nvSpPr>
+          <p:cNvPr id="6" name="Rectangle 5">
+            <a:extLst>
+              <a:ext uri="{FF2B5EF4-FFF2-40B4-BE49-F238E27FC236}">
+                <a16:creationId xmlns:a16="http://schemas.microsoft.com/office/drawing/2014/main" id="{A3104063-1FE2-4C14-A051-C1B3D8E9AE45}"/>
+              </a:ext>
+            </a:extLst>
+          </p:cNvPr>
+          <p:cNvSpPr/>
+          <p:nvPr/>
+        </p:nvSpPr>
+        <p:spPr>
+          <a:xfrm>
+            <a:off x="1121156" y="1518592"/>
+            <a:ext cx="6726585" cy="830997"/>
+          </a:xfrm>
+          <a:prstGeom prst="rect">
+            <a:avLst/>
+          </a:prstGeom>
+          <a:noFill/>
+        </p:spPr>
+        <p:txBody>
+          <a:bodyPr wrap="none" lIns="91440" tIns="45720" rIns="91440" bIns="45720">
+            <a:spAutoFit/>
+          </a:bodyPr>
+          <a:lstStyle/>
+          <a:p>
+            <a:pPr algn="ctr"/>
+            <a:r>
+              <a:rPr lang="en-US" sz="2400" dirty="0">
+                <a:ln w="0"/>
+                <a:effectLst>
+                  <a:outerShdw blurRad="38100" dist="19050" dir="2700000" algn="tl" rotWithShape="0">
+                    <a:schemeClr val="dk1">
+                      <a:alpha val="40000"/>
+                    </a:schemeClr>
+                  </a:outerShdw>
+                </a:effectLst>
+              </a:rPr>
+              <a:t>Sniffing traffic by following the flow of the packet</a:t>
+            </a:r>
+          </a:p>
+          <a:p>
+            <a:pPr algn="ctr"/>
+            <a:r>
+              <a:rPr lang="en-US" sz="2400" dirty="0">
+                <a:ln w="0"/>
+                <a:effectLst>
+                  <a:outerShdw blurRad="38100" dist="19050" dir="2700000" algn="tl" rotWithShape="0">
+                    <a:schemeClr val="dk1">
+                      <a:alpha val="40000"/>
+                    </a:schemeClr>
+                  </a:outerShdw>
+                </a:effectLst>
+              </a:rPr>
+              <a:t>In each segment</a:t>
+            </a:r>
+          </a:p>
+        </p:txBody>
+      </p:sp>
+      <p:pic>
+        <p:nvPicPr>
+          <p:cNvPr id="9" name="Picture 8">
+            <a:extLst>
+              <a:ext uri="{FF2B5EF4-FFF2-40B4-BE49-F238E27FC236}">
+                <a16:creationId xmlns:a16="http://schemas.microsoft.com/office/drawing/2014/main" id="{0B58D65F-FE0C-49F7-A806-5BFA02BDBF94}"/>
+              </a:ext>
+            </a:extLst>
+          </p:cNvPr>
+          <p:cNvPicPr>
+            <a:picLocks noChangeAspect="1"/>
+          </p:cNvPicPr>
+          <p:nvPr/>
+        </p:nvPicPr>
+        <p:blipFill>
+          <a:blip r:embed="rId2"/>
+          <a:stretch>
+            <a:fillRect/>
+          </a:stretch>
+        </p:blipFill>
+        <p:spPr>
+          <a:xfrm>
+            <a:off x="1336603" y="2379406"/>
+            <a:ext cx="6470794" cy="3950257"/>
+          </a:xfrm>
+          <a:prstGeom prst="rect">
+            <a:avLst/>
+          </a:prstGeom>
+        </p:spPr>
+      </p:pic>
+    </p:spTree>
+    <p:extLst>
+      <p:ext uri="{BB962C8B-B14F-4D97-AF65-F5344CB8AC3E}">
+        <p14:creationId xmlns:p14="http://schemas.microsoft.com/office/powerpoint/2010/main" val="3962941615"/>
+      </p:ext>
+    </p:extLst>
+  </p:cSld>
+  <p:clrMapOvr>
+    <a:masterClrMapping/>
+  </p:clrMapOvr>
+</p:sld>
+</file>
+
+<file path=ppt/slides/slide22.xml><?xml version="1.0" encoding="utf-8"?>
+<p:sld xmlns:a="http://schemas.openxmlformats.org/drawingml/2006/main" xmlns:r="http://schemas.openxmlformats.org/officeDocument/2006/relationships" xmlns:p="http://schemas.openxmlformats.org/presentationml/2006/main" showMasterPhAnim="0">
+  <p:cSld>
+    <p:spTree>
+      <p:nvGrpSpPr>
+        <p:cNvPr id="1" name=""/>
+        <p:cNvGrpSpPr/>
+        <p:nvPr/>
+      </p:nvGrpSpPr>
+      <p:grpSpPr>
+        <a:xfrm>
+          <a:off x="0" y="0"/>
+          <a:ext cx="0" cy="0"/>
+          <a:chOff x="0" y="0"/>
+          <a:chExt cx="0" cy="0"/>
+        </a:xfrm>
+      </p:grpSpPr>
+      <p:sp>
+        <p:nvSpPr>
+          <p:cNvPr id="106518" name="Rectangle 22">
+            <a:extLst>
+              <a:ext uri="{FF2B5EF4-FFF2-40B4-BE49-F238E27FC236}">
+                <a16:creationId xmlns:a16="http://schemas.microsoft.com/office/drawing/2014/main" id="{F5A29FC8-8C4B-45E5-94D1-7D28B3C04B66}"/>
+              </a:ext>
+            </a:extLst>
+          </p:cNvPr>
+          <p:cNvSpPr>
+            <a:spLocks noGrp="1" noChangeArrowheads="1"/>
+          </p:cNvSpPr>
+          <p:nvPr>
+            <p:ph type="title"/>
+          </p:nvPr>
+        </p:nvSpPr>
+        <p:spPr/>
+        <p:txBody>
+          <a:bodyPr/>
+          <a:lstStyle/>
+          <a:p>
+            <a:r>
+              <a:rPr lang="en-US" altLang="en-US" dirty="0"/>
+              <a:t>Use cases  scenario</a:t>
+            </a:r>
+          </a:p>
+        </p:txBody>
+      </p:sp>
+      <p:sp>
+        <p:nvSpPr>
+          <p:cNvPr id="6" name="Rectangle 5">
+            <a:extLst>
+              <a:ext uri="{FF2B5EF4-FFF2-40B4-BE49-F238E27FC236}">
+                <a16:creationId xmlns:a16="http://schemas.microsoft.com/office/drawing/2014/main" id="{A3104063-1FE2-4C14-A051-C1B3D8E9AE45}"/>
+              </a:ext>
+            </a:extLst>
+          </p:cNvPr>
+          <p:cNvSpPr/>
+          <p:nvPr/>
+        </p:nvSpPr>
+        <p:spPr>
+          <a:xfrm>
+            <a:off x="1916283" y="1518592"/>
+            <a:ext cx="5136342" cy="461665"/>
+          </a:xfrm>
+          <a:prstGeom prst="rect">
+            <a:avLst/>
+          </a:prstGeom>
+          <a:noFill/>
+        </p:spPr>
+        <p:txBody>
+          <a:bodyPr wrap="none" lIns="91440" tIns="45720" rIns="91440" bIns="45720">
+            <a:spAutoFit/>
+          </a:bodyPr>
+          <a:lstStyle/>
+          <a:p>
+            <a:pPr algn="ctr"/>
+            <a:r>
+              <a:rPr lang="en-US" sz="2400" dirty="0">
+                <a:ln w="0"/>
+                <a:effectLst>
+                  <a:outerShdw blurRad="38100" dist="19050" dir="2700000" algn="tl" rotWithShape="0">
+                    <a:schemeClr val="dk1">
+                      <a:alpha val="40000"/>
+                    </a:schemeClr>
+                  </a:outerShdw>
+                </a:effectLst>
+              </a:rPr>
+              <a:t>Main Firewall debug troubleshooting</a:t>
+            </a:r>
+          </a:p>
+        </p:txBody>
+      </p:sp>
+      <p:pic>
+        <p:nvPicPr>
+          <p:cNvPr id="7" name="Picture 6">
+            <a:extLst>
+              <a:ext uri="{FF2B5EF4-FFF2-40B4-BE49-F238E27FC236}">
+                <a16:creationId xmlns:a16="http://schemas.microsoft.com/office/drawing/2014/main" id="{D9E48507-D32B-4AD9-81F6-99736E778F92}"/>
+              </a:ext>
+            </a:extLst>
+          </p:cNvPr>
+          <p:cNvPicPr>
+            <a:picLocks noChangeAspect="1"/>
+          </p:cNvPicPr>
+          <p:nvPr/>
+        </p:nvPicPr>
+        <p:blipFill>
+          <a:blip r:embed="rId2"/>
+          <a:stretch>
+            <a:fillRect/>
+          </a:stretch>
+        </p:blipFill>
+        <p:spPr>
+          <a:xfrm>
+            <a:off x="1276294" y="1980257"/>
+            <a:ext cx="6591412" cy="4487720"/>
+          </a:xfrm>
+          <a:prstGeom prst="rect">
+            <a:avLst/>
+          </a:prstGeom>
+        </p:spPr>
+      </p:pic>
+    </p:spTree>
+    <p:extLst>
+      <p:ext uri="{BB962C8B-B14F-4D97-AF65-F5344CB8AC3E}">
+        <p14:creationId xmlns:p14="http://schemas.microsoft.com/office/powerpoint/2010/main" val="2169203873"/>
+      </p:ext>
+    </p:extLst>
+  </p:cSld>
+  <p:clrMapOvr>
+    <a:masterClrMapping/>
+  </p:clrMapOvr>
+</p:sld>
+</file>
+
+<file path=ppt/slides/slide23.xml><?xml version="1.0" encoding="utf-8"?>
+<p:sld xmlns:a="http://schemas.openxmlformats.org/drawingml/2006/main" xmlns:r="http://schemas.openxmlformats.org/officeDocument/2006/relationships" xmlns:p="http://schemas.openxmlformats.org/presentationml/2006/main" showMasterPhAnim="0">
+  <p:cSld>
+    <p:spTree>
+      <p:nvGrpSpPr>
+        <p:cNvPr id="1" name=""/>
+        <p:cNvGrpSpPr/>
+        <p:nvPr/>
+      </p:nvGrpSpPr>
+      <p:grpSpPr>
+        <a:xfrm>
+          <a:off x="0" y="0"/>
+          <a:ext cx="0" cy="0"/>
+          <a:chOff x="0" y="0"/>
+          <a:chExt cx="0" cy="0"/>
+        </a:xfrm>
+      </p:grpSpPr>
+      <p:sp>
+        <p:nvSpPr>
+          <p:cNvPr id="106518" name="Rectangle 22">
+            <a:extLst>
+              <a:ext uri="{FF2B5EF4-FFF2-40B4-BE49-F238E27FC236}">
+                <a16:creationId xmlns:a16="http://schemas.microsoft.com/office/drawing/2014/main" id="{F5A29FC8-8C4B-45E5-94D1-7D28B3C04B66}"/>
+              </a:ext>
+            </a:extLst>
+          </p:cNvPr>
+          <p:cNvSpPr>
+            <a:spLocks noGrp="1" noChangeArrowheads="1"/>
+          </p:cNvSpPr>
+          <p:nvPr>
+            <p:ph type="title"/>
+          </p:nvPr>
+        </p:nvSpPr>
+        <p:spPr/>
+        <p:txBody>
+          <a:bodyPr/>
+          <a:lstStyle/>
+          <a:p>
+            <a:r>
+              <a:rPr lang="en-US" altLang="en-US" dirty="0"/>
+              <a:t>Use cases  scenario</a:t>
+            </a:r>
+          </a:p>
+        </p:txBody>
+      </p:sp>
+      <p:sp>
+        <p:nvSpPr>
+          <p:cNvPr id="6" name="Rectangle 5">
+            <a:extLst>
+              <a:ext uri="{FF2B5EF4-FFF2-40B4-BE49-F238E27FC236}">
+                <a16:creationId xmlns:a16="http://schemas.microsoft.com/office/drawing/2014/main" id="{A3104063-1FE2-4C14-A051-C1B3D8E9AE45}"/>
+              </a:ext>
+            </a:extLst>
+          </p:cNvPr>
+          <p:cNvSpPr/>
+          <p:nvPr/>
+        </p:nvSpPr>
+        <p:spPr>
+          <a:xfrm>
+            <a:off x="1638557" y="1518592"/>
+            <a:ext cx="5691815" cy="461665"/>
+          </a:xfrm>
+          <a:prstGeom prst="rect">
+            <a:avLst/>
+          </a:prstGeom>
+          <a:noFill/>
+        </p:spPr>
+        <p:txBody>
+          <a:bodyPr wrap="none" lIns="91440" tIns="45720" rIns="91440" bIns="45720">
+            <a:spAutoFit/>
+          </a:bodyPr>
+          <a:lstStyle/>
+          <a:p>
+            <a:pPr algn="ctr"/>
+            <a:r>
+              <a:rPr lang="en-US" sz="2400" dirty="0">
+                <a:ln w="0"/>
+                <a:effectLst>
+                  <a:outerShdw blurRad="38100" dist="19050" dir="2700000" algn="tl" rotWithShape="0">
+                    <a:schemeClr val="dk1">
+                      <a:alpha val="40000"/>
+                    </a:schemeClr>
+                  </a:outerShdw>
+                </a:effectLst>
+              </a:rPr>
+              <a:t>Firewall can reach DHCP server thought</a:t>
+            </a:r>
+          </a:p>
+        </p:txBody>
+      </p:sp>
+      <p:pic>
+        <p:nvPicPr>
+          <p:cNvPr id="5" name="Picture 4">
+            <a:extLst>
+              <a:ext uri="{FF2B5EF4-FFF2-40B4-BE49-F238E27FC236}">
+                <a16:creationId xmlns:a16="http://schemas.microsoft.com/office/drawing/2014/main" id="{DD9D2865-C73E-4FED-9352-AC930956E35C}"/>
+              </a:ext>
+            </a:extLst>
+          </p:cNvPr>
+          <p:cNvPicPr>
+            <a:picLocks noChangeAspect="1"/>
+          </p:cNvPicPr>
+          <p:nvPr/>
+        </p:nvPicPr>
+        <p:blipFill>
+          <a:blip r:embed="rId2"/>
+          <a:stretch>
+            <a:fillRect/>
+          </a:stretch>
+        </p:blipFill>
+        <p:spPr>
+          <a:xfrm>
+            <a:off x="1606321" y="2017238"/>
+            <a:ext cx="5931358" cy="4476322"/>
+          </a:xfrm>
+          <a:prstGeom prst="rect">
+            <a:avLst/>
+          </a:prstGeom>
+        </p:spPr>
+      </p:pic>
+    </p:spTree>
+    <p:extLst>
+      <p:ext uri="{BB962C8B-B14F-4D97-AF65-F5344CB8AC3E}">
+        <p14:creationId xmlns:p14="http://schemas.microsoft.com/office/powerpoint/2010/main" val="3117492299"/>
+      </p:ext>
+    </p:extLst>
+  </p:cSld>
+  <p:clrMapOvr>
+    <a:masterClrMapping/>
+  </p:clrMapOvr>
+</p:sld>
+</file>
+
+<file path=ppt/slides/slide24.xml><?xml version="1.0" encoding="utf-8"?>
+<p:sld xmlns:a="http://schemas.openxmlformats.org/drawingml/2006/main" xmlns:r="http://schemas.openxmlformats.org/officeDocument/2006/relationships" xmlns:p="http://schemas.openxmlformats.org/presentationml/2006/main" showMasterPhAnim="0">
+  <p:cSld>
+    <p:spTree>
+      <p:nvGrpSpPr>
+        <p:cNvPr id="1" name=""/>
+        <p:cNvGrpSpPr/>
+        <p:nvPr/>
+      </p:nvGrpSpPr>
+      <p:grpSpPr>
+        <a:xfrm>
+          <a:off x="0" y="0"/>
+          <a:ext cx="0" cy="0"/>
+          <a:chOff x="0" y="0"/>
+          <a:chExt cx="0" cy="0"/>
+        </a:xfrm>
+      </p:grpSpPr>
+      <p:sp>
+        <p:nvSpPr>
+          <p:cNvPr id="106518" name="Rectangle 22">
+            <a:extLst>
+              <a:ext uri="{FF2B5EF4-FFF2-40B4-BE49-F238E27FC236}">
+                <a16:creationId xmlns:a16="http://schemas.microsoft.com/office/drawing/2014/main" id="{F5A29FC8-8C4B-45E5-94D1-7D28B3C04B66}"/>
+              </a:ext>
+            </a:extLst>
+          </p:cNvPr>
+          <p:cNvSpPr>
+            <a:spLocks noGrp="1" noChangeArrowheads="1"/>
+          </p:cNvSpPr>
+          <p:nvPr>
+            <p:ph type="title"/>
+          </p:nvPr>
+        </p:nvSpPr>
+        <p:spPr/>
+        <p:txBody>
+          <a:bodyPr/>
+          <a:lstStyle/>
+          <a:p>
+            <a:r>
+              <a:rPr lang="en-US" altLang="en-US" dirty="0"/>
+              <a:t>Use cases  scenario</a:t>
+            </a:r>
+          </a:p>
+        </p:txBody>
+      </p:sp>
+      <p:sp>
+        <p:nvSpPr>
+          <p:cNvPr id="6" name="Rectangle 5">
+            <a:extLst>
+              <a:ext uri="{FF2B5EF4-FFF2-40B4-BE49-F238E27FC236}">
+                <a16:creationId xmlns:a16="http://schemas.microsoft.com/office/drawing/2014/main" id="{A3104063-1FE2-4C14-A051-C1B3D8E9AE45}"/>
+              </a:ext>
+            </a:extLst>
+          </p:cNvPr>
+          <p:cNvSpPr/>
+          <p:nvPr/>
+        </p:nvSpPr>
+        <p:spPr>
+          <a:xfrm>
+            <a:off x="1434187" y="1518592"/>
+            <a:ext cx="6100581" cy="830997"/>
+          </a:xfrm>
+          <a:prstGeom prst="rect">
+            <a:avLst/>
+          </a:prstGeom>
+          <a:noFill/>
+        </p:spPr>
+        <p:txBody>
+          <a:bodyPr wrap="none" lIns="91440" tIns="45720" rIns="91440" bIns="45720">
+            <a:spAutoFit/>
+          </a:bodyPr>
+          <a:lstStyle/>
+          <a:p>
+            <a:pPr algn="ctr"/>
+            <a:r>
+              <a:rPr lang="en-US" sz="2400" dirty="0">
+                <a:ln w="0"/>
+                <a:effectLst>
+                  <a:outerShdw blurRad="38100" dist="19050" dir="2700000" algn="tl" rotWithShape="0">
+                    <a:schemeClr val="dk1">
+                      <a:alpha val="40000"/>
+                    </a:schemeClr>
+                  </a:outerShdw>
+                </a:effectLst>
+              </a:rPr>
+              <a:t>Misconfiguration of IP despite that was legit</a:t>
+            </a:r>
+          </a:p>
+          <a:p>
+            <a:pPr algn="ctr"/>
+            <a:r>
+              <a:rPr lang="en-US" sz="2400" dirty="0">
+                <a:ln w="0"/>
+                <a:effectLst>
+                  <a:outerShdw blurRad="38100" dist="19050" dir="2700000" algn="tl" rotWithShape="0">
+                    <a:schemeClr val="dk1">
+                      <a:alpha val="40000"/>
+                    </a:schemeClr>
+                  </a:outerShdw>
+                </a:effectLst>
+              </a:rPr>
+              <a:t>(It could be reached)</a:t>
+            </a:r>
+          </a:p>
+        </p:txBody>
+      </p:sp>
+      <p:pic>
+        <p:nvPicPr>
+          <p:cNvPr id="7" name="Picture 6">
+            <a:extLst>
+              <a:ext uri="{FF2B5EF4-FFF2-40B4-BE49-F238E27FC236}">
+                <a16:creationId xmlns:a16="http://schemas.microsoft.com/office/drawing/2014/main" id="{56D415E3-BE99-4FFF-8D10-8F3D2E305D3B}"/>
+              </a:ext>
+            </a:extLst>
+          </p:cNvPr>
+          <p:cNvPicPr>
+            <a:picLocks noChangeAspect="1"/>
+          </p:cNvPicPr>
+          <p:nvPr/>
+        </p:nvPicPr>
+        <p:blipFill>
+          <a:blip r:embed="rId2"/>
+          <a:stretch>
+            <a:fillRect/>
+          </a:stretch>
+        </p:blipFill>
+        <p:spPr>
+          <a:xfrm>
+            <a:off x="990600" y="2295362"/>
+            <a:ext cx="6788882" cy="4061724"/>
+          </a:xfrm>
+          <a:prstGeom prst="rect">
+            <a:avLst/>
+          </a:prstGeom>
+        </p:spPr>
+      </p:pic>
+    </p:spTree>
+    <p:extLst>
+      <p:ext uri="{BB962C8B-B14F-4D97-AF65-F5344CB8AC3E}">
+        <p14:creationId xmlns:p14="http://schemas.microsoft.com/office/powerpoint/2010/main" val="3735271105"/>
+      </p:ext>
+    </p:extLst>
+  </p:cSld>
+  <p:clrMapOvr>
+    <a:masterClrMapping/>
+  </p:clrMapOvr>
+</p:sld>
+</file>
+
+<file path=ppt/slides/slide25.xml><?xml version="1.0" encoding="utf-8"?>
+<p:sld xmlns:a="http://schemas.openxmlformats.org/drawingml/2006/main" xmlns:r="http://schemas.openxmlformats.org/officeDocument/2006/relationships" xmlns:p="http://schemas.openxmlformats.org/presentationml/2006/main" showMasterPhAnim="0">
+  <p:cSld>
+    <p:spTree>
+      <p:nvGrpSpPr>
+        <p:cNvPr id="1" name=""/>
+        <p:cNvGrpSpPr/>
+        <p:nvPr/>
+      </p:nvGrpSpPr>
+      <p:grpSpPr>
+        <a:xfrm>
+          <a:off x="0" y="0"/>
+          <a:ext cx="0" cy="0"/>
+          <a:chOff x="0" y="0"/>
+          <a:chExt cx="0" cy="0"/>
+        </a:xfrm>
+      </p:grpSpPr>
+      <p:sp>
+        <p:nvSpPr>
+          <p:cNvPr id="106518" name="Rectangle 22">
+            <a:extLst>
+              <a:ext uri="{FF2B5EF4-FFF2-40B4-BE49-F238E27FC236}">
+                <a16:creationId xmlns:a16="http://schemas.microsoft.com/office/drawing/2014/main" id="{F5A29FC8-8C4B-45E5-94D1-7D28B3C04B66}"/>
+              </a:ext>
+            </a:extLst>
+          </p:cNvPr>
+          <p:cNvSpPr>
+            <a:spLocks noGrp="1" noChangeArrowheads="1"/>
+          </p:cNvSpPr>
+          <p:nvPr>
+            <p:ph type="title"/>
+          </p:nvPr>
+        </p:nvSpPr>
+        <p:spPr/>
+        <p:txBody>
+          <a:bodyPr/>
+          <a:lstStyle/>
+          <a:p>
+            <a:r>
+              <a:rPr lang="en-US" altLang="en-US" dirty="0"/>
+              <a:t>Use cases  scenario</a:t>
+            </a:r>
+          </a:p>
+        </p:txBody>
+      </p:sp>
+      <p:sp>
+        <p:nvSpPr>
+          <p:cNvPr id="6" name="Rectangle 5">
+            <a:extLst>
+              <a:ext uri="{FF2B5EF4-FFF2-40B4-BE49-F238E27FC236}">
+                <a16:creationId xmlns:a16="http://schemas.microsoft.com/office/drawing/2014/main" id="{A3104063-1FE2-4C14-A051-C1B3D8E9AE45}"/>
+              </a:ext>
+            </a:extLst>
+          </p:cNvPr>
+          <p:cNvSpPr/>
+          <p:nvPr/>
+        </p:nvSpPr>
+        <p:spPr>
+          <a:xfrm>
+            <a:off x="3168735" y="1518592"/>
+            <a:ext cx="2631491" cy="461665"/>
+          </a:xfrm>
+          <a:prstGeom prst="rect">
+            <a:avLst/>
+          </a:prstGeom>
+          <a:noFill/>
+        </p:spPr>
+        <p:txBody>
+          <a:bodyPr wrap="none" lIns="91440" tIns="45720" rIns="91440" bIns="45720">
+            <a:spAutoFit/>
+          </a:bodyPr>
+          <a:lstStyle/>
+          <a:p>
+            <a:pPr algn="ctr"/>
+            <a:r>
+              <a:rPr lang="en-US" sz="2400" dirty="0">
+                <a:ln w="0"/>
+                <a:effectLst>
+                  <a:outerShdw blurRad="38100" dist="19050" dir="2700000" algn="tl" rotWithShape="0">
+                    <a:schemeClr val="dk1">
+                      <a:alpha val="40000"/>
+                    </a:schemeClr>
+                  </a:outerShdw>
+                </a:effectLst>
+              </a:rPr>
+              <a:t>DORA SUCCESS</a:t>
+            </a:r>
+          </a:p>
+        </p:txBody>
+      </p:sp>
+      <p:pic>
+        <p:nvPicPr>
+          <p:cNvPr id="5" name="Picture 4">
+            <a:extLst>
+              <a:ext uri="{FF2B5EF4-FFF2-40B4-BE49-F238E27FC236}">
+                <a16:creationId xmlns:a16="http://schemas.microsoft.com/office/drawing/2014/main" id="{7D0F5C93-B7DB-48EE-A28B-0807F139F873}"/>
+              </a:ext>
+            </a:extLst>
+          </p:cNvPr>
+          <p:cNvPicPr>
+            <a:picLocks noChangeAspect="1"/>
+          </p:cNvPicPr>
+          <p:nvPr/>
+        </p:nvPicPr>
+        <p:blipFill>
+          <a:blip r:embed="rId2"/>
+          <a:stretch>
+            <a:fillRect/>
+          </a:stretch>
+        </p:blipFill>
+        <p:spPr>
+          <a:xfrm>
+            <a:off x="903288" y="1990196"/>
+            <a:ext cx="7101150" cy="4326694"/>
+          </a:xfrm>
+          <a:prstGeom prst="rect">
+            <a:avLst/>
+          </a:prstGeom>
+        </p:spPr>
+      </p:pic>
+    </p:spTree>
+    <p:extLst>
+      <p:ext uri="{BB962C8B-B14F-4D97-AF65-F5344CB8AC3E}">
+        <p14:creationId xmlns:p14="http://schemas.microsoft.com/office/powerpoint/2010/main" val="886251051"/>
+      </p:ext>
+    </p:extLst>
+  </p:cSld>
+  <p:clrMapOvr>
+    <a:masterClrMapping/>
+  </p:clrMapOvr>
+</p:sld>
+</file>
+
+<file path=ppt/slides/slide26.xml><?xml version="1.0" encoding="utf-8"?>
+<p:sld xmlns:a="http://schemas.openxmlformats.org/drawingml/2006/main" xmlns:r="http://schemas.openxmlformats.org/officeDocument/2006/relationships" xmlns:p="http://schemas.openxmlformats.org/presentationml/2006/main" showMasterPhAnim="0">
+  <p:cSld>
+    <p:spTree>
+      <p:nvGrpSpPr>
+        <p:cNvPr id="1" name=""/>
+        <p:cNvGrpSpPr/>
+        <p:nvPr/>
+      </p:nvGrpSpPr>
+      <p:grpSpPr>
+        <a:xfrm>
+          <a:off x="0" y="0"/>
+          <a:ext cx="0" cy="0"/>
+          <a:chOff x="0" y="0"/>
+          <a:chExt cx="0" cy="0"/>
+        </a:xfrm>
+      </p:grpSpPr>
+      <p:sp>
+        <p:nvSpPr>
+          <p:cNvPr id="106518" name="Rectangle 22">
+            <a:extLst>
+              <a:ext uri="{FF2B5EF4-FFF2-40B4-BE49-F238E27FC236}">
+                <a16:creationId xmlns:a16="http://schemas.microsoft.com/office/drawing/2014/main" id="{F5A29FC8-8C4B-45E5-94D1-7D28B3C04B66}"/>
+              </a:ext>
+            </a:extLst>
+          </p:cNvPr>
+          <p:cNvSpPr>
+            <a:spLocks noGrp="1" noChangeArrowheads="1"/>
+          </p:cNvSpPr>
+          <p:nvPr>
+            <p:ph type="title"/>
+          </p:nvPr>
+        </p:nvSpPr>
+        <p:spPr/>
+        <p:txBody>
+          <a:bodyPr/>
+          <a:lstStyle/>
+          <a:p>
+            <a:r>
+              <a:rPr lang="en-US" altLang="en-US" dirty="0"/>
+              <a:t>Use cases  scenario</a:t>
+            </a:r>
+          </a:p>
+        </p:txBody>
+      </p:sp>
+      <p:sp>
+        <p:nvSpPr>
+          <p:cNvPr id="6" name="Rectangle 5">
+            <a:extLst>
+              <a:ext uri="{FF2B5EF4-FFF2-40B4-BE49-F238E27FC236}">
+                <a16:creationId xmlns:a16="http://schemas.microsoft.com/office/drawing/2014/main" id="{A3104063-1FE2-4C14-A051-C1B3D8E9AE45}"/>
+              </a:ext>
+            </a:extLst>
+          </p:cNvPr>
+          <p:cNvSpPr/>
+          <p:nvPr/>
+        </p:nvSpPr>
+        <p:spPr>
+          <a:xfrm>
             <a:off x="3168735" y="1518592"/>
             <a:ext cx="2631491" cy="461665"/>
           </a:xfrm>
@@ -12832,7 +13923,7 @@
 </p:sld>
 </file>
 
-<file path=ppt/slides/slide21.xml><?xml version="1.0" encoding="utf-8"?>
+<file path=ppt/slides/slide27.xml><?xml version="1.0" encoding="utf-8"?>
 <p:sld xmlns:a="http://schemas.openxmlformats.org/drawingml/2006/main" xmlns:r="http://schemas.openxmlformats.org/officeDocument/2006/relationships" xmlns:p="http://schemas.openxmlformats.org/presentationml/2006/main" showMasterPhAnim="0">
   <p:cSld>
     <p:spTree>
@@ -13247,7 +14338,7 @@
 </p:sld>
 </file>
 
-<file path=ppt/slides/slide22.xml><?xml version="1.0" encoding="utf-8"?>
+<file path=ppt/slides/slide28.xml><?xml version="1.0" encoding="utf-8"?>
 <p:sld xmlns:a="http://schemas.openxmlformats.org/drawingml/2006/main" xmlns:r="http://schemas.openxmlformats.org/officeDocument/2006/relationships" xmlns:p="http://schemas.openxmlformats.org/presentationml/2006/main" showMasterPhAnim="0">
   <p:cSld>
     <p:spTree>
@@ -20747,41 +21838,11 @@
           <a:p>
             <a:r>
               <a:rPr lang="en-US" altLang="en-US" dirty="0"/>
-              <a:t>Use cases  scenario</a:t>
+              <a:t>Use cases  scenario 1</a:t>
             </a:r>
           </a:p>
         </p:txBody>
       </p:sp>
-      <p:pic>
-        <p:nvPicPr>
-          <p:cNvPr id="5" name="Picture 4">
-            <a:extLst>
-              <a:ext uri="{FF2B5EF4-FFF2-40B4-BE49-F238E27FC236}">
-                <a16:creationId xmlns:a16="http://schemas.microsoft.com/office/drawing/2014/main" id="{E1BE08E5-F79B-4B3D-993D-D6DDADCF1A13}"/>
-              </a:ext>
-            </a:extLst>
-          </p:cNvPr>
-          <p:cNvPicPr>
-            <a:picLocks noChangeAspect="1"/>
-          </p:cNvPicPr>
-          <p:nvPr/>
-        </p:nvPicPr>
-        <p:blipFill>
-          <a:blip r:embed="rId2"/>
-          <a:stretch>
-            <a:fillRect/>
-          </a:stretch>
-        </p:blipFill>
-        <p:spPr>
-          <a:xfrm>
-            <a:off x="983750" y="2157412"/>
-            <a:ext cx="7176500" cy="3024188"/>
-          </a:xfrm>
-          <a:prstGeom prst="rect">
-            <a:avLst/>
-          </a:prstGeom>
-        </p:spPr>
-      </p:pic>
       <p:sp>
         <p:nvSpPr>
           <p:cNvPr id="6" name="Rectangle 5">
@@ -20796,8 +21857,8 @@
         </p:nvSpPr>
         <p:spPr>
           <a:xfrm>
-            <a:off x="835080" y="1518592"/>
-            <a:ext cx="7298666" cy="461665"/>
+            <a:off x="835081" y="1518592"/>
+            <a:ext cx="7325169" cy="853952"/>
           </a:xfrm>
           <a:prstGeom prst="rect">
             <a:avLst/>
@@ -20805,12 +21866,16 @@
           <a:noFill/>
         </p:spPr>
         <p:txBody>
-          <a:bodyPr wrap="none" lIns="91440" tIns="45720" rIns="91440" bIns="45720">
+          <a:bodyPr wrap="square" lIns="91440" tIns="45720" rIns="91440" bIns="45720">
             <a:spAutoFit/>
           </a:bodyPr>
           <a:lstStyle/>
           <a:p>
-            <a:pPr algn="ctr"/>
+            <a:pPr marL="685800" marR="0" indent="-685800" algn="ctr">
+              <a:lnSpc>
+                <a:spcPct val="107000"/>
+              </a:lnSpc>
+            </a:pPr>
             <a:r>
               <a:rPr lang="en-US" sz="2400" dirty="0">
                 <a:ln w="0"/>
@@ -20822,7 +21887,58 @@
                   </a:outerShdw>
                 </a:effectLst>
               </a:rPr>
-              <a:t>A network where DHCP process had DO without RA</a:t>
+              <a:t>Unreal Engine Packaged Game Development mode client-server Session failure</a:t>
+            </a:r>
+          </a:p>
+        </p:txBody>
+      </p:sp>
+      <p:sp>
+        <p:nvSpPr>
+          <p:cNvPr id="7" name="TextBox 6">
+            <a:extLst>
+              <a:ext uri="{FF2B5EF4-FFF2-40B4-BE49-F238E27FC236}">
+                <a16:creationId xmlns:a16="http://schemas.microsoft.com/office/drawing/2014/main" id="{4DF57729-C8D7-46FF-9170-5845030D6C96}"/>
+              </a:ext>
+            </a:extLst>
+          </p:cNvPr>
+          <p:cNvSpPr txBox="1"/>
+          <p:nvPr/>
+        </p:nvSpPr>
+        <p:spPr>
+          <a:xfrm>
+            <a:off x="515282" y="2819400"/>
+            <a:ext cx="7964765" cy="2153731"/>
+          </a:xfrm>
+          <a:prstGeom prst="rect">
+            <a:avLst/>
+          </a:prstGeom>
+          <a:noFill/>
+        </p:spPr>
+        <p:txBody>
+          <a:bodyPr wrap="square">
+            <a:spAutoFit/>
+          </a:bodyPr>
+          <a:lstStyle/>
+          <a:p>
+            <a:pPr marL="685800" marR="0">
+              <a:lnSpc>
+                <a:spcPct val="107000"/>
+              </a:lnSpc>
+              <a:spcBef>
+                <a:spcPts val="0"/>
+              </a:spcBef>
+              <a:spcAft>
+                <a:spcPts val="800"/>
+              </a:spcAft>
+            </a:pPr>
+            <a:r>
+              <a:rPr lang="en-US" sz="1800" dirty="0">
+                <a:effectLst/>
+                <a:latin typeface="Calibri" panose="020F0502020204030204" pitchFamily="34" charset="0"/>
+                <a:ea typeface="Calibri" panose="020F0502020204030204" pitchFamily="34" charset="0"/>
+                <a:cs typeface="Times New Roman" panose="02020603050405020304" pitchFamily="18" charset="0"/>
+              </a:rPr>
+              <a:t>2 Game Instances on separate machines – client &amp; server fail to communicate with each other on same subnet. Server Successfully creates an online game session but client fails to connect to that listen game instance to be more precise it cannot find any local LAN session at all. (We conclude/assume that the client/server session setup from game-programming perspective is done correctly and there is not misconfiguration in that part but the problem is Network derived)</a:t>
             </a:r>
           </a:p>
         </p:txBody>
